--- a/cyberbullying_ppt.pptx
+++ b/cyberbullying_ppt.pptx
@@ -5,35 +5,32 @@
     <p:sldMasterId id="2147483650" r:id="rId4"/>
   </p:sldMasterIdLst>
   <p:notesMasterIdLst>
-    <p:notesMasterId r:id="rId28"/>
+    <p:notesMasterId r:id="rId25"/>
   </p:notesMasterIdLst>
   <p:handoutMasterIdLst>
-    <p:handoutMasterId r:id="rId29"/>
+    <p:handoutMasterId r:id="rId26"/>
   </p:handoutMasterIdLst>
   <p:sldIdLst>
     <p:sldId id="312" r:id="rId5"/>
     <p:sldId id="313" r:id="rId6"/>
     <p:sldId id="314" r:id="rId7"/>
     <p:sldId id="315" r:id="rId8"/>
-    <p:sldId id="316" r:id="rId9"/>
-    <p:sldId id="317" r:id="rId10"/>
-    <p:sldId id="319" r:id="rId11"/>
-    <p:sldId id="318" r:id="rId12"/>
-    <p:sldId id="324" r:id="rId13"/>
-    <p:sldId id="325" r:id="rId14"/>
-    <p:sldId id="333" r:id="rId15"/>
-    <p:sldId id="326" r:id="rId16"/>
-    <p:sldId id="327" r:id="rId17"/>
-    <p:sldId id="328" r:id="rId18"/>
-    <p:sldId id="329" r:id="rId19"/>
-    <p:sldId id="330" r:id="rId20"/>
-    <p:sldId id="331" r:id="rId21"/>
-    <p:sldId id="320" r:id="rId22"/>
-    <p:sldId id="323" r:id="rId23"/>
-    <p:sldId id="322" r:id="rId24"/>
-    <p:sldId id="332" r:id="rId25"/>
-    <p:sldId id="321" r:id="rId26"/>
-    <p:sldId id="297" r:id="rId27"/>
+    <p:sldId id="317" r:id="rId9"/>
+    <p:sldId id="319" r:id="rId10"/>
+    <p:sldId id="318" r:id="rId11"/>
+    <p:sldId id="324" r:id="rId12"/>
+    <p:sldId id="325" r:id="rId13"/>
+    <p:sldId id="333" r:id="rId14"/>
+    <p:sldId id="326" r:id="rId15"/>
+    <p:sldId id="327" r:id="rId16"/>
+    <p:sldId id="328" r:id="rId17"/>
+    <p:sldId id="330" r:id="rId18"/>
+    <p:sldId id="331" r:id="rId19"/>
+    <p:sldId id="320" r:id="rId20"/>
+    <p:sldId id="322" r:id="rId21"/>
+    <p:sldId id="334" r:id="rId22"/>
+    <p:sldId id="321" r:id="rId23"/>
+    <p:sldId id="297" r:id="rId24"/>
   </p:sldIdLst>
   <p:sldSz cx="12192000" cy="6858000"/>
   <p:notesSz cx="13716000" cy="24384000"/>
@@ -430,6 +427,93 @@
 </p:handoutMaster>
 </file>
 
+<file path=ppt/ink/ink1.xml><?xml version="1.0" encoding="utf-8"?>
+<inkml:ink xmlns:inkml="http://www.w3.org/2003/InkML">
+  <inkml:definitions>
+    <inkml:context xml:id="ctx0">
+      <inkml:inkSource xml:id="inkSrc0">
+        <inkml:traceFormat>
+          <inkml:channel name="X" type="integer" min="-2.14748E9" max="2.14748E9" units="cm"/>
+          <inkml:channel name="Y" type="integer" min="-2.14748E9" max="2.14748E9" units="cm"/>
+        </inkml:traceFormat>
+        <inkml:channelProperties>
+          <inkml:channelProperty channel="X" name="resolution" value="1000" units="1/cm"/>
+          <inkml:channelProperty channel="Y" name="resolution" value="1000" units="1/cm"/>
+        </inkml:channelProperties>
+      </inkml:inkSource>
+      <inkml:timestamp xml:id="ts0" timeString="2024-11-29T12:05:09.211"/>
+    </inkml:context>
+    <inkml:brush xml:id="br0">
+      <inkml:brushProperty name="width" value="0.3" units="cm"/>
+      <inkml:brushProperty name="height" value="0.6" units="cm"/>
+      <inkml:brushProperty name="color" value="#FFFFFF"/>
+      <inkml:brushProperty name="tip" value="rectangle"/>
+      <inkml:brushProperty name="rasterOp" value="maskPen"/>
+      <inkml:brushProperty name="ignorePressure" value="1"/>
+    </inkml:brush>
+  </inkml:definitions>
+  <inkml:trace contextRef="#ctx0" brushRef="#br0">638 1,'0'4,"-1"0,0 0,0 0,-1 0,0 0,1 0,-1 0,0 0,-5 6,-5 9,-29 74,4 1,4 2,-36 176,40-154,-53 140,-21 81,85-263,-3-1,-52 120,50-128,18-51,0 1,-2-1,-11 23,12-27,0 1,0-1,1 1,1 1,0-1,1 1,-3 22,3 7,3 49,1-72,-1-15,0 0,0-1,1 1,-1 0,1-1,1 1,-1-1,3 6,-4-9,1 0,0 0,-1 1,1-1,0 0,0 0,0-1,0 1,0 0,0 0,0 0,0-1,0 1,1 0,-1-1,0 1,0-1,1 0,-1 1,0-1,0 0,1 0,-1 0,0 0,1 0,-1 0,0 0,1 0,-1 0,0-1,0 1,1 0,1-2,4-1,-1 0,1 0,-1-1,0 0,11-9,-1 1,197-154,-90 67,340-281,-75 58,-179 161,-146 117,91-49,-131 81,38-12,-175 112,97-79,0 0,0-1,-1-1,-28 8,27-10,0 2,1 0,0 1,-22 13,-118 75,65-42,-87 69,-7 36,120-99,66-60,-18 19,14-9,5-9,0-1,0 0,0 0,1 1,-1-1,0 0,0 1,0-1,0 0,0 0,1 0,-1 1,0-1,0 0,0 0,1 0,-1 1,0-1,0 0,1 0,-1 0,0 0,0 0,1 1,-1-1,0 0,0 0,1 0,-1 0,0 0,1 0,-1 0,0 0,1 0,2 0,0-1,0 1,0 0,-1-1,1 0,0 0,0 0,0 0,-1 0,1-1,4-2,32-24,-30 21,16-11,2 1,38-19,-24 11,-31 18,0 1,1 0,16-7,-5 6</inkml:trace>
+</inkml:ink>
+</file>
+
+<file path=ppt/ink/ink2.xml><?xml version="1.0" encoding="utf-8"?>
+<inkml:ink xmlns:inkml="http://www.w3.org/2003/InkML">
+  <inkml:definitions>
+    <inkml:context xml:id="ctx0">
+      <inkml:inkSource xml:id="inkSrc0">
+        <inkml:traceFormat>
+          <inkml:channel name="X" type="integer" min="-2.14748E9" max="2.14748E9" units="cm"/>
+          <inkml:channel name="Y" type="integer" min="-2.14748E9" max="2.14748E9" units="cm"/>
+        </inkml:traceFormat>
+        <inkml:channelProperties>
+          <inkml:channelProperty channel="X" name="resolution" value="1000" units="1/cm"/>
+          <inkml:channelProperty channel="Y" name="resolution" value="1000" units="1/cm"/>
+        </inkml:channelProperties>
+      </inkml:inkSource>
+      <inkml:timestamp xml:id="ts0" timeString="2024-11-29T12:05:10.244"/>
+    </inkml:context>
+    <inkml:brush xml:id="br0">
+      <inkml:brushProperty name="width" value="0.3" units="cm"/>
+      <inkml:brushProperty name="height" value="0.6" units="cm"/>
+      <inkml:brushProperty name="color" value="#FFFFFF"/>
+      <inkml:brushProperty name="tip" value="rectangle"/>
+      <inkml:brushProperty name="rasterOp" value="maskPen"/>
+      <inkml:brushProperty name="ignorePressure" value="1"/>
+    </inkml:brush>
+  </inkml:definitions>
+  <inkml:trace contextRef="#ctx0" brushRef="#br0">1 399,'11'-5,"-1"0,1 0,1 1,21-4,3-1,844-196,-805 188,-41 10,476-95,-396 86,1 6,177 4,-121 13,-146-7</inkml:trace>
+</inkml:ink>
+</file>
+
+<file path=ppt/ink/ink3.xml><?xml version="1.0" encoding="utf-8"?>
+<inkml:ink xmlns:inkml="http://www.w3.org/2003/InkML">
+  <inkml:definitions>
+    <inkml:context xml:id="ctx0">
+      <inkml:inkSource xml:id="inkSrc0">
+        <inkml:traceFormat>
+          <inkml:channel name="X" type="integer" min="-2.14748E9" max="2.14748E9" units="cm"/>
+          <inkml:channel name="Y" type="integer" min="-2.14748E9" max="2.14748E9" units="cm"/>
+        </inkml:traceFormat>
+        <inkml:channelProperties>
+          <inkml:channelProperty channel="X" name="resolution" value="1000" units="1/cm"/>
+          <inkml:channelProperty channel="Y" name="resolution" value="1000" units="1/cm"/>
+        </inkml:channelProperties>
+      </inkml:inkSource>
+      <inkml:timestamp xml:id="ts0" timeString="2024-11-29T12:05:12.334"/>
+    </inkml:context>
+    <inkml:brush xml:id="br0">
+      <inkml:brushProperty name="width" value="0.3" units="cm"/>
+      <inkml:brushProperty name="height" value="0.6" units="cm"/>
+      <inkml:brushProperty name="color" value="#FFFFFF"/>
+      <inkml:brushProperty name="tip" value="rectangle"/>
+      <inkml:brushProperty name="rasterOp" value="maskPen"/>
+      <inkml:brushProperty name="ignorePressure" value="1"/>
+    </inkml:brush>
+  </inkml:definitions>
+  <inkml:trace contextRef="#ctx0" brushRef="#br0">2597 1,'-2597'0,"2597"0</inkml:trace>
+</inkml:ink>
+</file>
+
 <file path=ppt/notesMasters/notesMaster1.xml><?xml version="1.0" encoding="utf-8"?>
 <p:notesMaster xmlns:a="http://schemas.openxmlformats.org/drawingml/2006/main" xmlns:r="http://schemas.openxmlformats.org/officeDocument/2006/relationships" xmlns:p="http://schemas.openxmlformats.org/presentationml/2006/main">
   <p:cSld>
@@ -640,6 +724,89 @@
 </file>
 
 <file path=ppt/notesSlides/notesSlide2.xml><?xml version="1.0" encoding="utf-8"?>
+<p:notes xmlns:a="http://schemas.openxmlformats.org/drawingml/2006/main" xmlns:r="http://schemas.openxmlformats.org/officeDocument/2006/relationships" xmlns:p="http://schemas.openxmlformats.org/presentationml/2006/main">
+  <p:cSld>
+    <p:spTree>
+      <p:nvGrpSpPr>
+        <p:cNvPr id="1" name=""/>
+        <p:cNvGrpSpPr/>
+        <p:nvPr/>
+      </p:nvGrpSpPr>
+      <p:grpSpPr>
+        <a:xfrm>
+          <a:off x="0" y="0"/>
+          <a:ext cx="0" cy="0"/>
+          <a:chOff x="0" y="0"/>
+          <a:chExt cx="0" cy="0"/>
+        </a:xfrm>
+      </p:grpSpPr>
+      <p:sp>
+        <p:nvSpPr>
+          <p:cNvPr id="2" name="Slide Image Placeholder 1"/>
+          <p:cNvSpPr>
+            <a:spLocks noGrp="1" noRot="1" noChangeAspect="1"/>
+          </p:cNvSpPr>
+          <p:nvPr>
+            <p:ph type="sldImg"/>
+          </p:nvPr>
+        </p:nvSpPr>
+        <p:spPr>
+          <a:xfrm>
+            <a:off x="-457200" y="3048000"/>
+            <a:ext cx="14630400" cy="8229600"/>
+          </a:xfrm>
+          <a:prstGeom prst="rect">
+            <a:avLst/>
+          </a:prstGeom>
+          <a:noFill/>
+          <a:ln w="12700">
+            <a:solidFill>
+              <a:prstClr val="black"/>
+            </a:solidFill>
+          </a:ln>
+        </p:spPr>
+      </p:sp>
+      <p:sp>
+        <p:nvSpPr>
+          <p:cNvPr id="3" name="Notes Placeholder 2"/>
+          <p:cNvSpPr>
+            <a:spLocks noGrp="1"/>
+          </p:cNvSpPr>
+          <p:nvPr>
+            <p:ph type="body" idx="1"/>
+          </p:nvPr>
+        </p:nvSpPr>
+        <p:spPr>
+          <a:xfrm>
+            <a:off x="1371600" y="11734800"/>
+            <a:ext cx="10972800" cy="9601200"/>
+          </a:xfrm>
+          <a:prstGeom prst="rect">
+            <a:avLst/>
+          </a:prstGeom>
+        </p:spPr>
+        <p:txBody>
+          <a:bodyPr/>
+          <a:lstStyle/>
+          <a:p>
+            <a:endParaRPr lang="en-IN" dirty="0"/>
+          </a:p>
+        </p:txBody>
+      </p:sp>
+    </p:spTree>
+    <p:extLst>
+      <p:ext uri="{BB962C8B-B14F-4D97-AF65-F5344CB8AC3E}">
+        <p14:creationId xmlns:p14="http://schemas.microsoft.com/office/powerpoint/2010/main" val="2740401139"/>
+      </p:ext>
+    </p:extLst>
+  </p:cSld>
+  <p:clrMapOvr>
+    <a:masterClrMapping/>
+  </p:clrMapOvr>
+</p:notes>
+</file>
+
+<file path=ppt/notesSlides/notesSlide3.xml><?xml version="1.0" encoding="utf-8"?>
 <p:notes xmlns:a="http://schemas.openxmlformats.org/drawingml/2006/main" xmlns:r="http://schemas.openxmlformats.org/officeDocument/2006/relationships" xmlns:p="http://schemas.openxmlformats.org/presentationml/2006/main">
   <p:cSld>
     <p:spTree>
@@ -16969,183 +17136,6 @@
           <p:cNvPr id="2" name="Title 1">
             <a:extLst>
               <a:ext uri="{FF2B5EF4-FFF2-40B4-BE49-F238E27FC236}">
-                <a16:creationId xmlns:a16="http://schemas.microsoft.com/office/drawing/2014/main" id="{C406DA46-0AC7-EFB8-9478-40E18BFB9DFD}"/>
-              </a:ext>
-            </a:extLst>
-          </p:cNvPr>
-          <p:cNvSpPr>
-            <a:spLocks noGrp="1"/>
-          </p:cNvSpPr>
-          <p:nvPr>
-            <p:ph type="title"/>
-          </p:nvPr>
-        </p:nvSpPr>
-        <p:spPr>
-          <a:xfrm>
-            <a:off x="914400" y="593377"/>
-            <a:ext cx="10511627" cy="760862"/>
-          </a:xfrm>
-        </p:spPr>
-        <p:txBody>
-          <a:bodyPr/>
-          <a:lstStyle/>
-          <a:p>
-            <a:r>
-              <a:rPr lang="en-US" dirty="0"/>
-              <a:t>ADVANCED MODELS USED</a:t>
-            </a:r>
-            <a:endParaRPr lang="en-IN" dirty="0"/>
-          </a:p>
-        </p:txBody>
-      </p:sp>
-      <p:sp>
-        <p:nvSpPr>
-          <p:cNvPr id="3" name="Content Placeholder 2">
-            <a:extLst>
-              <a:ext uri="{FF2B5EF4-FFF2-40B4-BE49-F238E27FC236}">
-                <a16:creationId xmlns:a16="http://schemas.microsoft.com/office/drawing/2014/main" id="{39F6C98B-03F0-6E15-340F-DB87A6EFB106}"/>
-              </a:ext>
-            </a:extLst>
-          </p:cNvPr>
-          <p:cNvSpPr>
-            <a:spLocks noGrp="1"/>
-          </p:cNvSpPr>
-          <p:nvPr>
-            <p:ph sz="quarter" idx="4"/>
-          </p:nvPr>
-        </p:nvSpPr>
-        <p:spPr>
-          <a:xfrm>
-            <a:off x="914400" y="1666755"/>
-            <a:ext cx="10511627" cy="4597870"/>
-          </a:xfrm>
-        </p:spPr>
-        <p:txBody>
-          <a:bodyPr>
-            <a:normAutofit/>
-          </a:bodyPr>
-          <a:lstStyle/>
-          <a:p>
-            <a:pPr marL="0" indent="0">
-              <a:buNone/>
-            </a:pPr>
-            <a:r>
-              <a:rPr lang="en-US" sz="2400" b="1" dirty="0"/>
-              <a:t>RNN-LSTM </a:t>
-            </a:r>
-          </a:p>
-          <a:p>
-            <a:r>
-              <a:rPr lang="en-US" dirty="0"/>
-              <a:t>RNN is a type of neural network designed to process sequential data, such as time series, text, or audio.</a:t>
-            </a:r>
-          </a:p>
-          <a:p>
-            <a:r>
-              <a:rPr lang="en-US" dirty="0"/>
-              <a:t>LSTM is a special type of RNN designed to overcome the limitations of standard RNNs.</a:t>
-            </a:r>
-          </a:p>
-          <a:p>
-            <a:pPr marL="0" indent="0">
-              <a:buNone/>
-            </a:pPr>
-            <a:r>
-              <a:rPr lang="en-US" sz="2400" b="1" dirty="0"/>
-              <a:t>WHY RNN-LSTM</a:t>
-            </a:r>
-          </a:p>
-          <a:p>
-            <a:r>
-              <a:rPr lang="en-US" dirty="0"/>
-              <a:t>They are excellent at analyzing and predicting patterns in data</a:t>
-            </a:r>
-            <a:r>
-              <a:rPr lang="en-US" b="1" dirty="0"/>
-              <a:t>.</a:t>
-            </a:r>
-          </a:p>
-          <a:p>
-            <a:r>
-              <a:rPr lang="en-US" dirty="0"/>
-              <a:t>LSTM is particularly effective in text-based tasks, as it can capture the context and relationships between words over long sentences.</a:t>
-            </a:r>
-            <a:endParaRPr lang="en-US" b="1" dirty="0"/>
-          </a:p>
-          <a:p>
-            <a:r>
-              <a:rPr lang="en-US" dirty="0"/>
-              <a:t>LSTM captures subtle details in comments or messages by analyzing context, tone, and word sequence, thereby enhancing detection accuracy.</a:t>
-            </a:r>
-            <a:endParaRPr lang="en-IN" b="1" dirty="0"/>
-          </a:p>
-        </p:txBody>
-      </p:sp>
-      <p:sp>
-        <p:nvSpPr>
-          <p:cNvPr id="4" name="Slide Number Placeholder 3">
-            <a:extLst>
-              <a:ext uri="{FF2B5EF4-FFF2-40B4-BE49-F238E27FC236}">
-                <a16:creationId xmlns:a16="http://schemas.microsoft.com/office/drawing/2014/main" id="{534489BA-01C3-260A-5880-589D1BCA026A}"/>
-              </a:ext>
-            </a:extLst>
-          </p:cNvPr>
-          <p:cNvSpPr>
-            <a:spLocks noGrp="1"/>
-          </p:cNvSpPr>
-          <p:nvPr>
-            <p:ph type="sldNum" sz="quarter" idx="10"/>
-          </p:nvPr>
-        </p:nvSpPr>
-        <p:spPr/>
-        <p:txBody>
-          <a:bodyPr/>
-          <a:lstStyle/>
-          <a:p>
-            <a:fld id="{48F63A3B-78C7-47BE-AE5E-E10140E04643}" type="slidenum">
-              <a:rPr lang="en-US" smtClean="0"/>
-              <a:pPr/>
-              <a:t>10</a:t>
-            </a:fld>
-            <a:endParaRPr lang="en-US" dirty="0"/>
-          </a:p>
-        </p:txBody>
-      </p:sp>
-    </p:spTree>
-    <p:extLst>
-      <p:ext uri="{BB962C8B-B14F-4D97-AF65-F5344CB8AC3E}">
-        <p14:creationId xmlns:p14="http://schemas.microsoft.com/office/powerpoint/2010/main" val="2529448569"/>
-      </p:ext>
-    </p:extLst>
-  </p:cSld>
-  <p:clrMapOvr>
-    <a:masterClrMapping/>
-  </p:clrMapOvr>
-</p:sld>
-</file>
-
-<file path=ppt/slides/slide11.xml><?xml version="1.0" encoding="utf-8"?>
-<p:sld xmlns:a="http://schemas.openxmlformats.org/drawingml/2006/main" xmlns:r="http://schemas.openxmlformats.org/officeDocument/2006/relationships" xmlns:p="http://schemas.openxmlformats.org/presentationml/2006/main">
-  <p:cSld>
-    <p:spTree>
-      <p:nvGrpSpPr>
-        <p:cNvPr id="1" name=""/>
-        <p:cNvGrpSpPr/>
-        <p:nvPr/>
-      </p:nvGrpSpPr>
-      <p:grpSpPr>
-        <a:xfrm>
-          <a:off x="0" y="0"/>
-          <a:ext cx="0" cy="0"/>
-          <a:chOff x="0" y="0"/>
-          <a:chExt cx="0" cy="0"/>
-        </a:xfrm>
-      </p:grpSpPr>
-      <p:sp>
-        <p:nvSpPr>
-          <p:cNvPr id="2" name="Title 1">
-            <a:extLst>
-              <a:ext uri="{FF2B5EF4-FFF2-40B4-BE49-F238E27FC236}">
                 <a16:creationId xmlns:a16="http://schemas.microsoft.com/office/drawing/2014/main" id="{19419A18-8DD5-66FF-4BCF-CEA7728B3DE1}"/>
               </a:ext>
             </a:extLst>
@@ -17203,7 +17193,7 @@
             <a:fld id="{48F63A3B-78C7-47BE-AE5E-E10140E04643}" type="slidenum">
               <a:rPr lang="en-US" smtClean="0"/>
               <a:pPr/>
-              <a:t>11</a:t>
+              <a:t>10</a:t>
             </a:fld>
             <a:endParaRPr lang="en-US" dirty="0"/>
           </a:p>
@@ -17254,7 +17244,7 @@
 </p:sld>
 </file>
 
-<file path=ppt/slides/slide12.xml><?xml version="1.0" encoding="utf-8"?>
+<file path=ppt/slides/slide11.xml><?xml version="1.0" encoding="utf-8"?>
 <p:sld xmlns:a="http://schemas.openxmlformats.org/drawingml/2006/main" xmlns:r="http://schemas.openxmlformats.org/officeDocument/2006/relationships" xmlns:p="http://schemas.openxmlformats.org/presentationml/2006/main">
   <p:cSld>
     <p:spTree>
@@ -17305,35 +17295,6 @@
           </a:p>
         </p:txBody>
       </p:sp>
-      <p:pic>
-        <p:nvPicPr>
-          <p:cNvPr id="6" name="Content Placeholder 5">
-            <a:extLst>
-              <a:ext uri="{FF2B5EF4-FFF2-40B4-BE49-F238E27FC236}">
-                <a16:creationId xmlns:a16="http://schemas.microsoft.com/office/drawing/2014/main" id="{3B2E630E-0861-6B24-3666-160795D2F893}"/>
-              </a:ext>
-            </a:extLst>
-          </p:cNvPr>
-          <p:cNvPicPr>
-            <a:picLocks noGrp="1" noChangeAspect="1"/>
-          </p:cNvPicPr>
-          <p:nvPr>
-            <p:ph sz="quarter" idx="4"/>
-          </p:nvPr>
-        </p:nvPicPr>
-        <p:blipFill>
-          <a:blip r:embed="rId2"/>
-          <a:stretch>
-            <a:fillRect/>
-          </a:stretch>
-        </p:blipFill>
-        <p:spPr>
-          <a:xfrm>
-            <a:off x="914400" y="1397817"/>
-            <a:ext cx="10510838" cy="4644167"/>
-          </a:xfrm>
-        </p:spPr>
-      </p:pic>
       <p:sp>
         <p:nvSpPr>
           <p:cNvPr id="4" name="Slide Number Placeholder 3">
@@ -17358,12 +17319,44 @@
             <a:fld id="{48F63A3B-78C7-47BE-AE5E-E10140E04643}" type="slidenum">
               <a:rPr lang="en-US" smtClean="0"/>
               <a:pPr/>
-              <a:t>12</a:t>
+              <a:t>11</a:t>
             </a:fld>
             <a:endParaRPr lang="en-US" dirty="0"/>
           </a:p>
         </p:txBody>
       </p:sp>
+      <p:pic>
+        <p:nvPicPr>
+          <p:cNvPr id="9" name="Content Placeholder 8">
+            <a:extLst>
+              <a:ext uri="{FF2B5EF4-FFF2-40B4-BE49-F238E27FC236}">
+                <a16:creationId xmlns:a16="http://schemas.microsoft.com/office/drawing/2014/main" id="{D5F73013-670E-6CB1-EE12-8652B06F699F}"/>
+              </a:ext>
+            </a:extLst>
+          </p:cNvPr>
+          <p:cNvPicPr>
+            <a:picLocks noGrp="1" noChangeAspect="1"/>
+          </p:cNvPicPr>
+          <p:nvPr>
+            <p:ph sz="quarter" idx="4"/>
+          </p:nvPr>
+        </p:nvPicPr>
+        <p:blipFill>
+          <a:blip r:embed="rId2"/>
+          <a:stretch>
+            <a:fillRect/>
+          </a:stretch>
+        </p:blipFill>
+        <p:spPr>
+          <a:xfrm>
+            <a:off x="914400" y="1621971"/>
+            <a:ext cx="10510838" cy="4169229"/>
+          </a:xfrm>
+          <a:prstGeom prst="rect">
+            <a:avLst/>
+          </a:prstGeom>
+        </p:spPr>
+      </p:pic>
     </p:spTree>
     <p:extLst>
       <p:ext uri="{BB962C8B-B14F-4D97-AF65-F5344CB8AC3E}">
@@ -17377,7 +17370,7 @@
 </p:sld>
 </file>
 
-<file path=ppt/slides/slide13.xml><?xml version="1.0" encoding="utf-8"?>
+<file path=ppt/slides/slide12.xml><?xml version="1.0" encoding="utf-8"?>
 <p:sld xmlns:a="http://schemas.openxmlformats.org/drawingml/2006/main" xmlns:r="http://schemas.openxmlformats.org/officeDocument/2006/relationships" xmlns:p="http://schemas.openxmlformats.org/presentationml/2006/main">
   <p:cSld>
     <p:spTree>
@@ -17506,7 +17499,7 @@
             <a:fld id="{48F63A3B-78C7-47BE-AE5E-E10140E04643}" type="slidenum">
               <a:rPr lang="en-US" smtClean="0"/>
               <a:pPr/>
-              <a:t>13</a:t>
+              <a:t>12</a:t>
             </a:fld>
             <a:endParaRPr lang="en-US" dirty="0"/>
           </a:p>
@@ -17557,7 +17550,7 @@
 </p:sld>
 </file>
 
-<file path=ppt/slides/slide14.xml><?xml version="1.0" encoding="utf-8"?>
+<file path=ppt/slides/slide13.xml><?xml version="1.0" encoding="utf-8"?>
 <p:sld xmlns:a="http://schemas.openxmlformats.org/drawingml/2006/main" xmlns:r="http://schemas.openxmlformats.org/officeDocument/2006/relationships" xmlns:p="http://schemas.openxmlformats.org/presentationml/2006/main">
   <p:cSld>
     <p:spTree>
@@ -17749,7 +17742,7 @@
             <a:fld id="{48F63A3B-78C7-47BE-AE5E-E10140E04643}" type="slidenum">
               <a:rPr lang="en-US" smtClean="0"/>
               <a:pPr/>
-              <a:t>14</a:t>
+              <a:t>13</a:t>
             </a:fld>
             <a:endParaRPr lang="en-US" dirty="0"/>
           </a:p>
@@ -17834,130 +17827,7 @@
 </p:sld>
 </file>
 
-<file path=ppt/slides/slide15.xml><?xml version="1.0" encoding="utf-8"?>
-<p:sld xmlns:a="http://schemas.openxmlformats.org/drawingml/2006/main" xmlns:r="http://schemas.openxmlformats.org/officeDocument/2006/relationships" xmlns:p="http://schemas.openxmlformats.org/presentationml/2006/main">
-  <p:cSld>
-    <p:spTree>
-      <p:nvGrpSpPr>
-        <p:cNvPr id="1" name=""/>
-        <p:cNvGrpSpPr/>
-        <p:nvPr/>
-      </p:nvGrpSpPr>
-      <p:grpSpPr>
-        <a:xfrm>
-          <a:off x="0" y="0"/>
-          <a:ext cx="0" cy="0"/>
-          <a:chOff x="0" y="0"/>
-          <a:chExt cx="0" cy="0"/>
-        </a:xfrm>
-      </p:grpSpPr>
-      <p:sp>
-        <p:nvSpPr>
-          <p:cNvPr id="2" name="Title 1">
-            <a:extLst>
-              <a:ext uri="{FF2B5EF4-FFF2-40B4-BE49-F238E27FC236}">
-                <a16:creationId xmlns:a16="http://schemas.microsoft.com/office/drawing/2014/main" id="{EF2422AA-379A-14C6-FBC9-E71503581B79}"/>
-              </a:ext>
-            </a:extLst>
-          </p:cNvPr>
-          <p:cNvSpPr>
-            <a:spLocks noGrp="1"/>
-          </p:cNvSpPr>
-          <p:nvPr>
-            <p:ph type="title"/>
-          </p:nvPr>
-        </p:nvSpPr>
-        <p:spPr>
-          <a:xfrm>
-            <a:off x="914400" y="706056"/>
-            <a:ext cx="10511627" cy="868101"/>
-          </a:xfrm>
-        </p:spPr>
-        <p:txBody>
-          <a:bodyPr/>
-          <a:lstStyle/>
-          <a:p>
-            <a:r>
-              <a:rPr lang="en-US" dirty="0"/>
-              <a:t>FINAL WEB APPLICATION</a:t>
-            </a:r>
-            <a:endParaRPr lang="en-IN" dirty="0"/>
-          </a:p>
-        </p:txBody>
-      </p:sp>
-      <p:pic>
-        <p:nvPicPr>
-          <p:cNvPr id="6" name="Content Placeholder 5">
-            <a:extLst>
-              <a:ext uri="{FF2B5EF4-FFF2-40B4-BE49-F238E27FC236}">
-                <a16:creationId xmlns:a16="http://schemas.microsoft.com/office/drawing/2014/main" id="{62CC3CEB-27DD-B401-34E8-14CB8F527344}"/>
-              </a:ext>
-            </a:extLst>
-          </p:cNvPr>
-          <p:cNvPicPr>
-            <a:picLocks noGrp="1" noChangeAspect="1"/>
-          </p:cNvPicPr>
-          <p:nvPr>
-            <p:ph sz="quarter" idx="4"/>
-          </p:nvPr>
-        </p:nvPicPr>
-        <p:blipFill>
-          <a:blip r:embed="rId2"/>
-          <a:stretch>
-            <a:fillRect/>
-          </a:stretch>
-        </p:blipFill>
-        <p:spPr>
-          <a:xfrm>
-            <a:off x="914400" y="1823014"/>
-            <a:ext cx="10510838" cy="4328930"/>
-          </a:xfrm>
-        </p:spPr>
-      </p:pic>
-      <p:sp>
-        <p:nvSpPr>
-          <p:cNvPr id="4" name="Slide Number Placeholder 3">
-            <a:extLst>
-              <a:ext uri="{FF2B5EF4-FFF2-40B4-BE49-F238E27FC236}">
-                <a16:creationId xmlns:a16="http://schemas.microsoft.com/office/drawing/2014/main" id="{DB51F23E-0B03-3232-1CFD-8C3C99BF8197}"/>
-              </a:ext>
-            </a:extLst>
-          </p:cNvPr>
-          <p:cNvSpPr>
-            <a:spLocks noGrp="1"/>
-          </p:cNvSpPr>
-          <p:nvPr>
-            <p:ph type="sldNum" sz="quarter" idx="10"/>
-          </p:nvPr>
-        </p:nvSpPr>
-        <p:spPr/>
-        <p:txBody>
-          <a:bodyPr/>
-          <a:lstStyle/>
-          <a:p>
-            <a:fld id="{48F63A3B-78C7-47BE-AE5E-E10140E04643}" type="slidenum">
-              <a:rPr lang="en-US" smtClean="0"/>
-              <a:pPr/>
-              <a:t>15</a:t>
-            </a:fld>
-            <a:endParaRPr lang="en-US" dirty="0"/>
-          </a:p>
-        </p:txBody>
-      </p:sp>
-    </p:spTree>
-    <p:extLst>
-      <p:ext uri="{BB962C8B-B14F-4D97-AF65-F5344CB8AC3E}">
-        <p14:creationId xmlns:p14="http://schemas.microsoft.com/office/powerpoint/2010/main" val="3962188617"/>
-      </p:ext>
-    </p:extLst>
-  </p:cSld>
-  <p:clrMapOvr>
-    <a:masterClrMapping/>
-  </p:clrMapOvr>
-</p:sld>
-</file>
-
-<file path=ppt/slides/slide16.xml><?xml version="1.0" encoding="utf-8"?>
+<file path=ppt/slides/slide14.xml><?xml version="1.0" encoding="utf-8"?>
 <p:sld xmlns:a="http://schemas.openxmlformats.org/drawingml/2006/main" xmlns:r="http://schemas.openxmlformats.org/officeDocument/2006/relationships" xmlns:p="http://schemas.openxmlformats.org/presentationml/2006/main">
   <p:cSld>
     <p:spTree>
@@ -18061,7 +17931,7 @@
             <a:fld id="{48F63A3B-78C7-47BE-AE5E-E10140E04643}" type="slidenum">
               <a:rPr lang="en-US" smtClean="0"/>
               <a:pPr/>
-              <a:t>16</a:t>
+              <a:t>14</a:t>
             </a:fld>
             <a:endParaRPr lang="en-US" dirty="0"/>
           </a:p>
@@ -18080,7 +17950,7 @@
 </p:sld>
 </file>
 
-<file path=ppt/slides/slide17.xml><?xml version="1.0" encoding="utf-8"?>
+<file path=ppt/slides/slide15.xml><?xml version="1.0" encoding="utf-8"?>
 <p:sld xmlns:a="http://schemas.openxmlformats.org/drawingml/2006/main" xmlns:r="http://schemas.openxmlformats.org/officeDocument/2006/relationships" xmlns:p="http://schemas.openxmlformats.org/presentationml/2006/main">
   <p:cSld>
     <p:spTree>
@@ -18150,7 +18020,7 @@
             <a:fld id="{48F63A3B-78C7-47BE-AE5E-E10140E04643}" type="slidenum">
               <a:rPr lang="en-US" smtClean="0"/>
               <a:pPr/>
-              <a:t>17</a:t>
+              <a:t>15</a:t>
             </a:fld>
             <a:endParaRPr lang="en-US" dirty="0"/>
           </a:p>
@@ -18169,7 +18039,7 @@
 </p:sld>
 </file>
 
-<file path=ppt/slides/slide18.xml><?xml version="1.0" encoding="utf-8"?>
+<file path=ppt/slides/slide16.xml><?xml version="1.0" encoding="utf-8"?>
 <p:sld xmlns:a="http://schemas.openxmlformats.org/drawingml/2006/main" xmlns:r="http://schemas.openxmlformats.org/officeDocument/2006/relationships" xmlns:p="http://schemas.openxmlformats.org/presentationml/2006/main">
   <p:cSld>
     <p:spTree>
@@ -18244,44 +18114,12 @@
             <a:fld id="{48F63A3B-78C7-47BE-AE5E-E10140E04643}" type="slidenum">
               <a:rPr lang="en-US" smtClean="0"/>
               <a:pPr/>
-              <a:t>18</a:t>
+              <a:t>16</a:t>
             </a:fld>
             <a:endParaRPr lang="en-US" dirty="0"/>
           </a:p>
         </p:txBody>
       </p:sp>
-      <p:pic>
-        <p:nvPicPr>
-          <p:cNvPr id="7" name="Content Placeholder 5">
-            <a:extLst>
-              <a:ext uri="{FF2B5EF4-FFF2-40B4-BE49-F238E27FC236}">
-                <a16:creationId xmlns:a16="http://schemas.microsoft.com/office/drawing/2014/main" id="{981C6115-7224-2F67-18F6-09D742700DBD}"/>
-              </a:ext>
-            </a:extLst>
-          </p:cNvPr>
-          <p:cNvPicPr>
-            <a:picLocks noGrp="1" noChangeAspect="1"/>
-          </p:cNvPicPr>
-          <p:nvPr>
-            <p:ph sz="quarter" idx="4"/>
-          </p:nvPr>
-        </p:nvPicPr>
-        <p:blipFill>
-          <a:blip r:embed="rId2"/>
-          <a:stretch>
-            <a:fillRect/>
-          </a:stretch>
-        </p:blipFill>
-        <p:spPr>
-          <a:xfrm>
-            <a:off x="1689904" y="1597306"/>
-            <a:ext cx="9236597" cy="5034988"/>
-          </a:xfrm>
-          <a:prstGeom prst="rect">
-            <a:avLst/>
-          </a:prstGeom>
-        </p:spPr>
-      </p:pic>
       <p:sp>
         <p:nvSpPr>
           <p:cNvPr id="8" name="TextBox 7">
@@ -18318,6 +18156,71 @@
           </a:p>
         </p:txBody>
       </p:sp>
+      <p:pic>
+        <p:nvPicPr>
+          <p:cNvPr id="9" name="Content Placeholder 8">
+            <a:extLst>
+              <a:ext uri="{FF2B5EF4-FFF2-40B4-BE49-F238E27FC236}">
+                <a16:creationId xmlns:a16="http://schemas.microsoft.com/office/drawing/2014/main" id="{90021256-1B36-64F3-F81E-E83AD78AFDA9}"/>
+              </a:ext>
+            </a:extLst>
+          </p:cNvPr>
+          <p:cNvPicPr>
+            <a:picLocks noGrp="1" noChangeAspect="1"/>
+          </p:cNvPicPr>
+          <p:nvPr>
+            <p:ph sz="quarter" idx="4"/>
+          </p:nvPr>
+        </p:nvPicPr>
+        <p:blipFill>
+          <a:blip r:embed="rId2"/>
+          <a:stretch>
+            <a:fillRect/>
+          </a:stretch>
+        </p:blipFill>
+        <p:spPr>
+          <a:xfrm>
+            <a:off x="1175657" y="1331712"/>
+            <a:ext cx="9699172" cy="5210602"/>
+          </a:xfrm>
+        </p:spPr>
+      </p:pic>
+      <p:sp>
+        <p:nvSpPr>
+          <p:cNvPr id="10" name="TextBox 9">
+            <a:extLst>
+              <a:ext uri="{FF2B5EF4-FFF2-40B4-BE49-F238E27FC236}">
+                <a16:creationId xmlns:a16="http://schemas.microsoft.com/office/drawing/2014/main" id="{776FD98E-EEEA-AA39-CDC5-923CC6876D78}"/>
+              </a:ext>
+            </a:extLst>
+          </p:cNvPr>
+          <p:cNvSpPr txBox="1"/>
+          <p:nvPr/>
+        </p:nvSpPr>
+        <p:spPr>
+          <a:xfrm>
+            <a:off x="6095999" y="4234543"/>
+            <a:ext cx="1404257" cy="369332"/>
+          </a:xfrm>
+          <a:prstGeom prst="rect">
+            <a:avLst/>
+          </a:prstGeom>
+          <a:noFill/>
+        </p:spPr>
+        <p:txBody>
+          <a:bodyPr wrap="square" rtlCol="0">
+            <a:spAutoFit/>
+          </a:bodyPr>
+          <a:lstStyle/>
+          <a:p>
+            <a:r>
+              <a:rPr lang="en-US" dirty="0"/>
+              <a:t>RNN-LSTM</a:t>
+            </a:r>
+            <a:endParaRPr lang="en-IN" dirty="0"/>
+          </a:p>
+        </p:txBody>
+      </p:sp>
     </p:spTree>
     <p:extLst>
       <p:ext uri="{BB962C8B-B14F-4D97-AF65-F5344CB8AC3E}">
@@ -18331,369 +18234,7 @@
 </p:sld>
 </file>
 
-<file path=ppt/slides/slide19.xml><?xml version="1.0" encoding="utf-8"?>
-<p:sld xmlns:a="http://schemas.openxmlformats.org/drawingml/2006/main" xmlns:r="http://schemas.openxmlformats.org/officeDocument/2006/relationships" xmlns:p="http://schemas.openxmlformats.org/presentationml/2006/main">
-  <p:cSld>
-    <p:spTree>
-      <p:nvGrpSpPr>
-        <p:cNvPr id="1" name=""/>
-        <p:cNvGrpSpPr/>
-        <p:nvPr/>
-      </p:nvGrpSpPr>
-      <p:grpSpPr>
-        <a:xfrm>
-          <a:off x="0" y="0"/>
-          <a:ext cx="0" cy="0"/>
-          <a:chOff x="0" y="0"/>
-          <a:chExt cx="0" cy="0"/>
-        </a:xfrm>
-      </p:grpSpPr>
-      <p:sp>
-        <p:nvSpPr>
-          <p:cNvPr id="2" name="Title 1">
-            <a:extLst>
-              <a:ext uri="{FF2B5EF4-FFF2-40B4-BE49-F238E27FC236}">
-                <a16:creationId xmlns:a16="http://schemas.microsoft.com/office/drawing/2014/main" id="{2ACBC6F0-20DA-A550-16A4-95EE54951490}"/>
-              </a:ext>
-            </a:extLst>
-          </p:cNvPr>
-          <p:cNvSpPr>
-            <a:spLocks noGrp="1"/>
-          </p:cNvSpPr>
-          <p:nvPr>
-            <p:ph type="title"/>
-          </p:nvPr>
-        </p:nvSpPr>
-        <p:spPr>
-          <a:xfrm>
-            <a:off x="914400" y="457200"/>
-            <a:ext cx="10511627" cy="881743"/>
-          </a:xfrm>
-        </p:spPr>
-        <p:txBody>
-          <a:bodyPr/>
-          <a:lstStyle/>
-          <a:p>
-            <a:r>
-              <a:rPr lang="en-US" dirty="0"/>
-              <a:t>CONFUSION MATRIX</a:t>
-            </a:r>
-            <a:endParaRPr lang="en-IN" dirty="0"/>
-          </a:p>
-        </p:txBody>
-      </p:sp>
-      <p:sp>
-        <p:nvSpPr>
-          <p:cNvPr id="4" name="Slide Number Placeholder 3">
-            <a:extLst>
-              <a:ext uri="{FF2B5EF4-FFF2-40B4-BE49-F238E27FC236}">
-                <a16:creationId xmlns:a16="http://schemas.microsoft.com/office/drawing/2014/main" id="{B234C5B3-277E-E7EE-7B53-827C02EA6EC1}"/>
-              </a:ext>
-            </a:extLst>
-          </p:cNvPr>
-          <p:cNvSpPr>
-            <a:spLocks noGrp="1"/>
-          </p:cNvSpPr>
-          <p:nvPr>
-            <p:ph type="sldNum" sz="quarter" idx="10"/>
-          </p:nvPr>
-        </p:nvSpPr>
-        <p:spPr/>
-        <p:txBody>
-          <a:bodyPr/>
-          <a:lstStyle/>
-          <a:p>
-            <a:fld id="{48F63A3B-78C7-47BE-AE5E-E10140E04643}" type="slidenum">
-              <a:rPr lang="en-US" smtClean="0"/>
-              <a:pPr/>
-              <a:t>19</a:t>
-            </a:fld>
-            <a:endParaRPr lang="en-US" dirty="0"/>
-          </a:p>
-        </p:txBody>
-      </p:sp>
-      <p:pic>
-        <p:nvPicPr>
-          <p:cNvPr id="1026" name="Picture 2">
-            <a:extLst>
-              <a:ext uri="{FF2B5EF4-FFF2-40B4-BE49-F238E27FC236}">
-                <a16:creationId xmlns:a16="http://schemas.microsoft.com/office/drawing/2014/main" id="{36BDFE82-D9C4-C996-007A-DD63323048D4}"/>
-              </a:ext>
-            </a:extLst>
-          </p:cNvPr>
-          <p:cNvPicPr>
-            <a:picLocks noGrp="1" noChangeAspect="1" noChangeArrowheads="1"/>
-          </p:cNvPicPr>
-          <p:nvPr>
-            <p:ph sz="quarter" idx="4"/>
-          </p:nvPr>
-        </p:nvPicPr>
-        <p:blipFill>
-          <a:blip r:embed="rId2">
-            <a:extLst>
-              <a:ext uri="{28A0092B-C50C-407E-A947-70E740481C1C}">
-                <a14:useLocalDpi xmlns:a14="http://schemas.microsoft.com/office/drawing/2010/main" val="0"/>
-              </a:ext>
-            </a:extLst>
-          </a:blip>
-          <a:srcRect/>
-          <a:stretch>
-            <a:fillRect/>
-          </a:stretch>
-        </p:blipFill>
-        <p:spPr bwMode="auto">
-          <a:xfrm>
-            <a:off x="914401" y="1781992"/>
-            <a:ext cx="4702628" cy="3743325"/>
-          </a:xfrm>
-          <a:prstGeom prst="rect">
-            <a:avLst/>
-          </a:prstGeom>
-          <a:noFill/>
-          <a:extLst>
-            <a:ext uri="{909E8E84-426E-40DD-AFC4-6F175D3DCCD1}">
-              <a14:hiddenFill xmlns:a14="http://schemas.microsoft.com/office/drawing/2010/main">
-                <a:solidFill>
-                  <a:srgbClr val="FFFFFF"/>
-                </a:solidFill>
-              </a14:hiddenFill>
-            </a:ext>
-          </a:extLst>
-        </p:spPr>
-      </p:pic>
-      <p:pic>
-        <p:nvPicPr>
-          <p:cNvPr id="1028" name="Picture 4">
-            <a:extLst>
-              <a:ext uri="{FF2B5EF4-FFF2-40B4-BE49-F238E27FC236}">
-                <a16:creationId xmlns:a16="http://schemas.microsoft.com/office/drawing/2014/main" id="{1A327A02-7A73-E1CD-1106-2C50B36559AE}"/>
-              </a:ext>
-            </a:extLst>
-          </p:cNvPr>
-          <p:cNvPicPr>
-            <a:picLocks noChangeAspect="1" noChangeArrowheads="1"/>
-          </p:cNvPicPr>
-          <p:nvPr/>
-        </p:nvPicPr>
-        <p:blipFill>
-          <a:blip r:embed="rId3">
-            <a:extLst>
-              <a:ext uri="{28A0092B-C50C-407E-A947-70E740481C1C}">
-                <a14:useLocalDpi xmlns:a14="http://schemas.microsoft.com/office/drawing/2010/main" val="0"/>
-              </a:ext>
-            </a:extLst>
-          </a:blip>
-          <a:srcRect/>
-          <a:stretch>
-            <a:fillRect/>
-          </a:stretch>
-        </p:blipFill>
-        <p:spPr bwMode="auto">
-          <a:xfrm>
-            <a:off x="6095999" y="1781992"/>
-            <a:ext cx="4796231" cy="3743325"/>
-          </a:xfrm>
-          <a:prstGeom prst="rect">
-            <a:avLst/>
-          </a:prstGeom>
-          <a:noFill/>
-          <a:extLst>
-            <a:ext uri="{909E8E84-426E-40DD-AFC4-6F175D3DCCD1}">
-              <a14:hiddenFill xmlns:a14="http://schemas.microsoft.com/office/drawing/2010/main">
-                <a:solidFill>
-                  <a:srgbClr val="FFFFFF"/>
-                </a:solidFill>
-              </a14:hiddenFill>
-            </a:ext>
-          </a:extLst>
-        </p:spPr>
-      </p:pic>
-      <p:sp>
-        <p:nvSpPr>
-          <p:cNvPr id="5" name="TextBox 4">
-            <a:extLst>
-              <a:ext uri="{FF2B5EF4-FFF2-40B4-BE49-F238E27FC236}">
-                <a16:creationId xmlns:a16="http://schemas.microsoft.com/office/drawing/2014/main" id="{78D76C68-3E9E-1CA5-1702-5B48986503EF}"/>
-              </a:ext>
-            </a:extLst>
-          </p:cNvPr>
-          <p:cNvSpPr txBox="1"/>
-          <p:nvPr/>
-        </p:nvSpPr>
-        <p:spPr>
-          <a:xfrm>
-            <a:off x="1055914" y="5954486"/>
-            <a:ext cx="9836316" cy="369332"/>
-          </a:xfrm>
-          <a:prstGeom prst="rect">
-            <a:avLst/>
-          </a:prstGeom>
-          <a:noFill/>
-        </p:spPr>
-        <p:txBody>
-          <a:bodyPr wrap="square" rtlCol="0">
-            <a:spAutoFit/>
-          </a:bodyPr>
-          <a:lstStyle/>
-          <a:p>
-            <a:r>
-              <a:rPr lang="en-US" dirty="0"/>
-              <a:t>Confusion matrix for Logistic Regression				Confusion matrix for Random forest</a:t>
-            </a:r>
-            <a:endParaRPr lang="en-IN" dirty="0"/>
-          </a:p>
-        </p:txBody>
-      </p:sp>
-    </p:spTree>
-    <p:extLst>
-      <p:ext uri="{BB962C8B-B14F-4D97-AF65-F5344CB8AC3E}">
-        <p14:creationId xmlns:p14="http://schemas.microsoft.com/office/powerpoint/2010/main" val="1601920699"/>
-      </p:ext>
-    </p:extLst>
-  </p:cSld>
-  <p:clrMapOvr>
-    <a:masterClrMapping/>
-  </p:clrMapOvr>
-</p:sld>
-</file>
-
-<file path=ppt/slides/slide2.xml><?xml version="1.0" encoding="utf-8"?>
-<p:sld xmlns:a="http://schemas.openxmlformats.org/drawingml/2006/main" xmlns:r="http://schemas.openxmlformats.org/officeDocument/2006/relationships" xmlns:p="http://schemas.openxmlformats.org/presentationml/2006/main">
-  <p:cSld>
-    <p:spTree>
-      <p:nvGrpSpPr>
-        <p:cNvPr id="1" name=""/>
-        <p:cNvGrpSpPr/>
-        <p:nvPr/>
-      </p:nvGrpSpPr>
-      <p:grpSpPr>
-        <a:xfrm>
-          <a:off x="0" y="0"/>
-          <a:ext cx="0" cy="0"/>
-          <a:chOff x="0" y="0"/>
-          <a:chExt cx="0" cy="0"/>
-        </a:xfrm>
-      </p:grpSpPr>
-      <p:sp>
-        <p:nvSpPr>
-          <p:cNvPr id="2" name="Title 1">
-            <a:extLst>
-              <a:ext uri="{FF2B5EF4-FFF2-40B4-BE49-F238E27FC236}">
-                <a16:creationId xmlns:a16="http://schemas.microsoft.com/office/drawing/2014/main" id="{B0F85449-729E-998C-261F-8CB4226F5BF4}"/>
-              </a:ext>
-            </a:extLst>
-          </p:cNvPr>
-          <p:cNvSpPr>
-            <a:spLocks noGrp="1"/>
-          </p:cNvSpPr>
-          <p:nvPr>
-            <p:ph type="title"/>
-          </p:nvPr>
-        </p:nvSpPr>
-        <p:spPr/>
-        <p:txBody>
-          <a:bodyPr/>
-          <a:lstStyle/>
-          <a:p>
-            <a:r>
-              <a:rPr lang="en-US" dirty="0"/>
-              <a:t>INTRODUCTION</a:t>
-            </a:r>
-            <a:endParaRPr lang="en-IN" dirty="0"/>
-          </a:p>
-        </p:txBody>
-      </p:sp>
-      <p:sp>
-        <p:nvSpPr>
-          <p:cNvPr id="3" name="Content Placeholder 2">
-            <a:extLst>
-              <a:ext uri="{FF2B5EF4-FFF2-40B4-BE49-F238E27FC236}">
-                <a16:creationId xmlns:a16="http://schemas.microsoft.com/office/drawing/2014/main" id="{D22949E7-C248-3EAF-EA83-11307653A874}"/>
-              </a:ext>
-            </a:extLst>
-          </p:cNvPr>
-          <p:cNvSpPr>
-            <a:spLocks noGrp="1"/>
-          </p:cNvSpPr>
-          <p:nvPr>
-            <p:ph sz="half" idx="2"/>
-          </p:nvPr>
-        </p:nvSpPr>
-        <p:spPr/>
-        <p:txBody>
-          <a:bodyPr/>
-          <a:lstStyle/>
-          <a:p>
-            <a:r>
-              <a:rPr lang="en-US" sz="1800" dirty="0">
-                <a:latin typeface="Times New Roman" panose="02020603050405020304" pitchFamily="18" charset="0"/>
-                <a:cs typeface="Times New Roman" panose="02020603050405020304" pitchFamily="18" charset="0"/>
-              </a:rPr>
-              <a:t>Cyberbullying refers to the act of using digital communication tools, such as social media, text messages, or emails, to harass, threaten, or intimidate individuals. It often involves sending hurtful or offensive messages, spreading rumors, sharing private information, or posting derogatory comments or images online. Cyberbullying can have severe emotional and psychological effects on the victims.</a:t>
-            </a:r>
-          </a:p>
-          <a:p>
-            <a:r>
-              <a:rPr lang="en-US" dirty="0">
-                <a:latin typeface="Times New Roman" panose="02020603050405020304" pitchFamily="18" charset="0"/>
-                <a:cs typeface="Times New Roman" panose="02020603050405020304" pitchFamily="18" charset="0"/>
-              </a:rPr>
-              <a:t>In our project we’ll identify whether the comment or tweet is cyberbullying or non cyberbullying.</a:t>
-            </a:r>
-            <a:endParaRPr lang="en-US" sz="1800" dirty="0">
-              <a:latin typeface="Times New Roman" panose="02020603050405020304" pitchFamily="18" charset="0"/>
-              <a:cs typeface="Times New Roman" panose="02020603050405020304" pitchFamily="18" charset="0"/>
-            </a:endParaRPr>
-          </a:p>
-          <a:p>
-            <a:endParaRPr lang="en-IN" dirty="0"/>
-          </a:p>
-        </p:txBody>
-      </p:sp>
-      <p:sp>
-        <p:nvSpPr>
-          <p:cNvPr id="4" name="Slide Number Placeholder 3">
-            <a:extLst>
-              <a:ext uri="{FF2B5EF4-FFF2-40B4-BE49-F238E27FC236}">
-                <a16:creationId xmlns:a16="http://schemas.microsoft.com/office/drawing/2014/main" id="{3751741F-26A7-3186-CF8C-C28B6CD92124}"/>
-              </a:ext>
-            </a:extLst>
-          </p:cNvPr>
-          <p:cNvSpPr>
-            <a:spLocks noGrp="1"/>
-          </p:cNvSpPr>
-          <p:nvPr>
-            <p:ph type="sldNum" sz="quarter" idx="10"/>
-          </p:nvPr>
-        </p:nvSpPr>
-        <p:spPr/>
-        <p:txBody>
-          <a:bodyPr/>
-          <a:lstStyle/>
-          <a:p>
-            <a:fld id="{48F63A3B-78C7-47BE-AE5E-E10140E04643}" type="slidenum">
-              <a:rPr lang="en-US" smtClean="0"/>
-              <a:pPr/>
-              <a:t>2</a:t>
-            </a:fld>
-            <a:endParaRPr lang="en-US" dirty="0"/>
-          </a:p>
-        </p:txBody>
-      </p:sp>
-    </p:spTree>
-    <p:extLst>
-      <p:ext uri="{BB962C8B-B14F-4D97-AF65-F5344CB8AC3E}">
-        <p14:creationId xmlns:p14="http://schemas.microsoft.com/office/powerpoint/2010/main" val="2620021352"/>
-      </p:ext>
-    </p:extLst>
-  </p:cSld>
-  <p:clrMapOvr>
-    <a:masterClrMapping/>
-  </p:clrMapOvr>
-</p:sld>
-</file>
-
-<file path=ppt/slides/slide20.xml><?xml version="1.0" encoding="utf-8"?>
+<file path=ppt/slides/slide17.xml><?xml version="1.0" encoding="utf-8"?>
 <p:sld xmlns:a="http://schemas.openxmlformats.org/drawingml/2006/main" xmlns:r="http://schemas.openxmlformats.org/officeDocument/2006/relationships" xmlns:p="http://schemas.openxmlformats.org/presentationml/2006/main">
   <p:cSld>
     <p:spTree>
@@ -18728,8 +18269,8 @@
         </p:nvSpPr>
         <p:spPr>
           <a:xfrm>
-            <a:off x="914400" y="457200"/>
-            <a:ext cx="10511627" cy="718457"/>
+            <a:off x="914400" y="1"/>
+            <a:ext cx="10511627" cy="928688"/>
           </a:xfrm>
         </p:spPr>
         <p:txBody>
@@ -18744,595 +18285,6 @@
           </a:p>
         </p:txBody>
       </p:sp>
-      <p:graphicFrame>
-        <p:nvGraphicFramePr>
-          <p:cNvPr id="6" name="Content Placeholder 5">
-            <a:extLst>
-              <a:ext uri="{FF2B5EF4-FFF2-40B4-BE49-F238E27FC236}">
-                <a16:creationId xmlns:a16="http://schemas.microsoft.com/office/drawing/2014/main" id="{10596745-AA2C-157A-11A1-1C6F495E9B69}"/>
-              </a:ext>
-            </a:extLst>
-          </p:cNvPr>
-          <p:cNvGraphicFramePr>
-            <a:graphicFrameLocks noGrp="1"/>
-          </p:cNvGraphicFramePr>
-          <p:nvPr>
-            <p:ph sz="quarter" idx="4"/>
-            <p:extLst>
-              <p:ext uri="{D42A27DB-BD31-4B8C-83A1-F6EECF244321}">
-                <p14:modId xmlns:p14="http://schemas.microsoft.com/office/powerpoint/2010/main" val="1060122830"/>
-              </p:ext>
-            </p:extLst>
-          </p:nvPr>
-        </p:nvGraphicFramePr>
-        <p:xfrm>
-          <a:off x="903514" y="1784004"/>
-          <a:ext cx="5192485" cy="3501028"/>
-        </p:xfrm>
-        <a:graphic>
-          <a:graphicData uri="http://schemas.openxmlformats.org/drawingml/2006/table">
-            <a:tbl>
-              <a:tblPr firstRow="1" bandRow="1">
-                <a:tableStyleId>{5940675A-B579-460E-94D1-54222C63F5DA}</a:tableStyleId>
-              </a:tblPr>
-              <a:tblGrid>
-                <a:gridCol w="1447800">
-                  <a:extLst>
-                    <a:ext uri="{9D8B030D-6E8A-4147-A177-3AD203B41FA5}">
-                      <a16:colId xmlns:a16="http://schemas.microsoft.com/office/drawing/2014/main" val="3972530783"/>
-                    </a:ext>
-                  </a:extLst>
-                </a:gridCol>
-                <a:gridCol w="859972">
-                  <a:extLst>
-                    <a:ext uri="{9D8B030D-6E8A-4147-A177-3AD203B41FA5}">
-                      <a16:colId xmlns:a16="http://schemas.microsoft.com/office/drawing/2014/main" val="3480962915"/>
-                    </a:ext>
-                  </a:extLst>
-                </a:gridCol>
-                <a:gridCol w="809555">
-                  <a:extLst>
-                    <a:ext uri="{9D8B030D-6E8A-4147-A177-3AD203B41FA5}">
-                      <a16:colId xmlns:a16="http://schemas.microsoft.com/office/drawing/2014/main" val="1011038419"/>
-                    </a:ext>
-                  </a:extLst>
-                </a:gridCol>
-                <a:gridCol w="1037579">
-                  <a:extLst>
-                    <a:ext uri="{9D8B030D-6E8A-4147-A177-3AD203B41FA5}">
-                      <a16:colId xmlns:a16="http://schemas.microsoft.com/office/drawing/2014/main" val="1021485880"/>
-                    </a:ext>
-                  </a:extLst>
-                </a:gridCol>
-                <a:gridCol w="1037579">
-                  <a:extLst>
-                    <a:ext uri="{9D8B030D-6E8A-4147-A177-3AD203B41FA5}">
-                      <a16:colId xmlns:a16="http://schemas.microsoft.com/office/drawing/2014/main" val="1536544160"/>
-                    </a:ext>
-                  </a:extLst>
-                </a:gridCol>
-              </a:tblGrid>
-              <a:tr h="675758">
-                <a:tc>
-                  <a:txBody>
-                    <a:bodyPr/>
-                    <a:lstStyle/>
-                    <a:p>
-                      <a:pPr algn="r"/>
-                      <a:r>
-                        <a:rPr lang="en-US" sz="2000" dirty="0"/>
-                        <a:t>Test size</a:t>
-                      </a:r>
-                      <a:r>
-                        <a:rPr lang="en-US" dirty="0"/>
-                        <a:t>                  </a:t>
-                      </a:r>
-                      <a:endParaRPr lang="en-US" sz="1800" dirty="0"/>
-                    </a:p>
-                    <a:p>
-                      <a:r>
-                        <a:rPr lang="en-US" sz="2000" dirty="0"/>
-                        <a:t>Model</a:t>
-                      </a:r>
-                      <a:endParaRPr lang="en-IN" sz="2000" dirty="0"/>
-                    </a:p>
-                  </a:txBody>
-                  <a:tcPr/>
-                </a:tc>
-                <a:tc>
-                  <a:txBody>
-                    <a:bodyPr/>
-                    <a:lstStyle/>
-                    <a:p>
-                      <a:pPr algn="ctr">
-                        <a:lnSpc>
-                          <a:spcPct val="150000"/>
-                        </a:lnSpc>
-                      </a:pPr>
-                      <a:r>
-                        <a:rPr lang="en-US" sz="2200" dirty="0"/>
-                        <a:t>20%</a:t>
-                      </a:r>
-                      <a:endParaRPr lang="en-IN" sz="2200" dirty="0"/>
-                    </a:p>
-                  </a:txBody>
-                  <a:tcPr/>
-                </a:tc>
-                <a:tc>
-                  <a:txBody>
-                    <a:bodyPr/>
-                    <a:lstStyle/>
-                    <a:p>
-                      <a:pPr algn="ctr">
-                        <a:lnSpc>
-                          <a:spcPct val="150000"/>
-                        </a:lnSpc>
-                      </a:pPr>
-                      <a:r>
-                        <a:rPr lang="en-US" sz="2200" dirty="0"/>
-                        <a:t>25%</a:t>
-                      </a:r>
-                      <a:endParaRPr lang="en-IN" sz="2200" dirty="0"/>
-                    </a:p>
-                  </a:txBody>
-                  <a:tcPr/>
-                </a:tc>
-                <a:tc>
-                  <a:txBody>
-                    <a:bodyPr/>
-                    <a:lstStyle/>
-                    <a:p>
-                      <a:pPr algn="ctr">
-                        <a:lnSpc>
-                          <a:spcPct val="150000"/>
-                        </a:lnSpc>
-                      </a:pPr>
-                      <a:r>
-                        <a:rPr lang="en-US" sz="2200" dirty="0"/>
-                        <a:t>30%</a:t>
-                      </a:r>
-                      <a:endParaRPr lang="en-IN" sz="2200" dirty="0"/>
-                    </a:p>
-                  </a:txBody>
-                  <a:tcPr/>
-                </a:tc>
-                <a:tc>
-                  <a:txBody>
-                    <a:bodyPr/>
-                    <a:lstStyle/>
-                    <a:p>
-                      <a:pPr algn="ctr">
-                        <a:lnSpc>
-                          <a:spcPct val="150000"/>
-                        </a:lnSpc>
-                      </a:pPr>
-                      <a:r>
-                        <a:rPr lang="en-US" sz="2200" dirty="0"/>
-                        <a:t>35%</a:t>
-                      </a:r>
-                      <a:endParaRPr lang="en-IN" sz="2200" dirty="0"/>
-                    </a:p>
-                  </a:txBody>
-                  <a:tcPr/>
-                </a:tc>
-                <a:extLst>
-                  <a:ext uri="{0D108BD9-81ED-4DB2-BD59-A6C34878D82A}">
-                    <a16:rowId xmlns:a16="http://schemas.microsoft.com/office/drawing/2014/main" val="2710065243"/>
-                  </a:ext>
-                </a:extLst>
-              </a:tr>
-              <a:tr h="675758">
-                <a:tc>
-                  <a:txBody>
-                    <a:bodyPr/>
-                    <a:lstStyle/>
-                    <a:p>
-                      <a:pPr>
-                        <a:lnSpc>
-                          <a:spcPct val="100000"/>
-                        </a:lnSpc>
-                      </a:pPr>
-                      <a:r>
-                        <a:rPr lang="en-US" sz="2000" dirty="0"/>
-                        <a:t>Logistic Regression</a:t>
-                      </a:r>
-                      <a:endParaRPr lang="en-IN" sz="2000" dirty="0"/>
-                    </a:p>
-                  </a:txBody>
-                  <a:tcPr/>
-                </a:tc>
-                <a:tc>
-                  <a:txBody>
-                    <a:bodyPr/>
-                    <a:lstStyle/>
-                    <a:p>
-                      <a:pPr algn="ctr">
-                        <a:lnSpc>
-                          <a:spcPct val="150000"/>
-                        </a:lnSpc>
-                      </a:pPr>
-                      <a:r>
-                        <a:rPr lang="en-US" sz="2200" dirty="0"/>
-                        <a:t>65</a:t>
-                      </a:r>
-                      <a:endParaRPr lang="en-IN" sz="2200" dirty="0"/>
-                    </a:p>
-                  </a:txBody>
-                  <a:tcPr/>
-                </a:tc>
-                <a:tc>
-                  <a:txBody>
-                    <a:bodyPr/>
-                    <a:lstStyle/>
-                    <a:p>
-                      <a:pPr algn="ctr">
-                        <a:lnSpc>
-                          <a:spcPct val="150000"/>
-                        </a:lnSpc>
-                      </a:pPr>
-                      <a:r>
-                        <a:rPr lang="en-US" sz="2200" dirty="0"/>
-                        <a:t>68</a:t>
-                      </a:r>
-                      <a:endParaRPr lang="en-IN" sz="2200" dirty="0"/>
-                    </a:p>
-                  </a:txBody>
-                  <a:tcPr/>
-                </a:tc>
-                <a:tc>
-                  <a:txBody>
-                    <a:bodyPr/>
-                    <a:lstStyle/>
-                    <a:p>
-                      <a:pPr algn="ctr">
-                        <a:lnSpc>
-                          <a:spcPct val="150000"/>
-                        </a:lnSpc>
-                      </a:pPr>
-                      <a:r>
-                        <a:rPr lang="en-US" sz="2200" dirty="0"/>
-                        <a:t>70</a:t>
-                      </a:r>
-                      <a:endParaRPr lang="en-IN" sz="2200" dirty="0"/>
-                    </a:p>
-                  </a:txBody>
-                  <a:tcPr/>
-                </a:tc>
-                <a:tc>
-                  <a:txBody>
-                    <a:bodyPr/>
-                    <a:lstStyle/>
-                    <a:p>
-                      <a:pPr algn="ctr">
-                        <a:lnSpc>
-                          <a:spcPct val="150000"/>
-                        </a:lnSpc>
-                      </a:pPr>
-                      <a:r>
-                        <a:rPr lang="en-US" sz="2200" dirty="0"/>
-                        <a:t>69</a:t>
-                      </a:r>
-                      <a:endParaRPr lang="en-IN" sz="2200" dirty="0"/>
-                    </a:p>
-                  </a:txBody>
-                  <a:tcPr/>
-                </a:tc>
-                <a:extLst>
-                  <a:ext uri="{0D108BD9-81ED-4DB2-BD59-A6C34878D82A}">
-                    <a16:rowId xmlns:a16="http://schemas.microsoft.com/office/drawing/2014/main" val="4084044341"/>
-                  </a:ext>
-                </a:extLst>
-              </a:tr>
-              <a:tr h="675758">
-                <a:tc>
-                  <a:txBody>
-                    <a:bodyPr/>
-                    <a:lstStyle/>
-                    <a:p>
-                      <a:pPr>
-                        <a:lnSpc>
-                          <a:spcPct val="100000"/>
-                        </a:lnSpc>
-                      </a:pPr>
-                      <a:r>
-                        <a:rPr lang="en-US" sz="2000" dirty="0"/>
-                        <a:t>Random Forest</a:t>
-                      </a:r>
-                      <a:endParaRPr lang="en-IN" sz="2000" dirty="0"/>
-                    </a:p>
-                  </a:txBody>
-                  <a:tcPr/>
-                </a:tc>
-                <a:tc>
-                  <a:txBody>
-                    <a:bodyPr/>
-                    <a:lstStyle/>
-                    <a:p>
-                      <a:pPr algn="ctr">
-                        <a:lnSpc>
-                          <a:spcPct val="150000"/>
-                        </a:lnSpc>
-                      </a:pPr>
-                      <a:r>
-                        <a:rPr lang="en-US" sz="2200" dirty="0"/>
-                        <a:t>60</a:t>
-                      </a:r>
-                      <a:endParaRPr lang="en-IN" sz="2200" dirty="0"/>
-                    </a:p>
-                  </a:txBody>
-                  <a:tcPr/>
-                </a:tc>
-                <a:tc>
-                  <a:txBody>
-                    <a:bodyPr/>
-                    <a:lstStyle/>
-                    <a:p>
-                      <a:pPr algn="ctr">
-                        <a:lnSpc>
-                          <a:spcPct val="150000"/>
-                        </a:lnSpc>
-                      </a:pPr>
-                      <a:r>
-                        <a:rPr lang="en-US" sz="2200" dirty="0"/>
-                        <a:t>63</a:t>
-                      </a:r>
-                      <a:endParaRPr lang="en-IN" sz="2200" dirty="0"/>
-                    </a:p>
-                  </a:txBody>
-                  <a:tcPr/>
-                </a:tc>
-                <a:tc>
-                  <a:txBody>
-                    <a:bodyPr/>
-                    <a:lstStyle/>
-                    <a:p>
-                      <a:pPr algn="ctr">
-                        <a:lnSpc>
-                          <a:spcPct val="150000"/>
-                        </a:lnSpc>
-                      </a:pPr>
-                      <a:r>
-                        <a:rPr lang="en-US" sz="2200" dirty="0"/>
-                        <a:t>65</a:t>
-                      </a:r>
-                      <a:endParaRPr lang="en-IN" sz="2200" dirty="0"/>
-                    </a:p>
-                  </a:txBody>
-                  <a:tcPr/>
-                </a:tc>
-                <a:tc>
-                  <a:txBody>
-                    <a:bodyPr/>
-                    <a:lstStyle/>
-                    <a:p>
-                      <a:pPr algn="ctr">
-                        <a:lnSpc>
-                          <a:spcPct val="150000"/>
-                        </a:lnSpc>
-                      </a:pPr>
-                      <a:r>
-                        <a:rPr lang="en-US" sz="2200" dirty="0"/>
-                        <a:t>67</a:t>
-                      </a:r>
-                      <a:endParaRPr lang="en-IN" sz="2200" dirty="0"/>
-                    </a:p>
-                  </a:txBody>
-                  <a:tcPr/>
-                </a:tc>
-                <a:extLst>
-                  <a:ext uri="{0D108BD9-81ED-4DB2-BD59-A6C34878D82A}">
-                    <a16:rowId xmlns:a16="http://schemas.microsoft.com/office/drawing/2014/main" val="3597211904"/>
-                  </a:ext>
-                </a:extLst>
-              </a:tr>
-              <a:tr h="675758">
-                <a:tc>
-                  <a:txBody>
-                    <a:bodyPr/>
-                    <a:lstStyle/>
-                    <a:p>
-                      <a:pPr>
-                        <a:lnSpc>
-                          <a:spcPct val="100000"/>
-                        </a:lnSpc>
-                      </a:pPr>
-                      <a:r>
-                        <a:rPr lang="en-US" sz="2000" dirty="0"/>
-                        <a:t>Naïve Bayes</a:t>
-                      </a:r>
-                      <a:endParaRPr lang="en-IN" sz="2000" dirty="0"/>
-                    </a:p>
-                  </a:txBody>
-                  <a:tcPr/>
-                </a:tc>
-                <a:tc>
-                  <a:txBody>
-                    <a:bodyPr/>
-                    <a:lstStyle/>
-                    <a:p>
-                      <a:pPr algn="ctr">
-                        <a:lnSpc>
-                          <a:spcPct val="150000"/>
-                        </a:lnSpc>
-                      </a:pPr>
-                      <a:r>
-                        <a:rPr lang="en-US" sz="2200" dirty="0"/>
-                        <a:t>59</a:t>
-                      </a:r>
-                      <a:endParaRPr lang="en-IN" sz="2200" dirty="0"/>
-                    </a:p>
-                  </a:txBody>
-                  <a:tcPr/>
-                </a:tc>
-                <a:tc>
-                  <a:txBody>
-                    <a:bodyPr/>
-                    <a:lstStyle/>
-                    <a:p>
-                      <a:pPr algn="ctr">
-                        <a:lnSpc>
-                          <a:spcPct val="150000"/>
-                        </a:lnSpc>
-                      </a:pPr>
-                      <a:r>
-                        <a:rPr lang="en-US" sz="2200" dirty="0"/>
-                        <a:t>60</a:t>
-                      </a:r>
-                      <a:endParaRPr lang="en-IN" sz="2200" dirty="0"/>
-                    </a:p>
-                  </a:txBody>
-                  <a:tcPr/>
-                </a:tc>
-                <a:tc>
-                  <a:txBody>
-                    <a:bodyPr/>
-                    <a:lstStyle/>
-                    <a:p>
-                      <a:pPr algn="ctr">
-                        <a:lnSpc>
-                          <a:spcPct val="150000"/>
-                        </a:lnSpc>
-                      </a:pPr>
-                      <a:r>
-                        <a:rPr lang="en-US" sz="2200" dirty="0"/>
-                        <a:t>64</a:t>
-                      </a:r>
-                      <a:endParaRPr lang="en-IN" sz="2200" dirty="0"/>
-                    </a:p>
-                  </a:txBody>
-                  <a:tcPr/>
-                </a:tc>
-                <a:tc>
-                  <a:txBody>
-                    <a:bodyPr/>
-                    <a:lstStyle/>
-                    <a:p>
-                      <a:pPr algn="ctr">
-                        <a:lnSpc>
-                          <a:spcPct val="150000"/>
-                        </a:lnSpc>
-                      </a:pPr>
-                      <a:r>
-                        <a:rPr lang="en-US" sz="2200" dirty="0"/>
-                        <a:t>63</a:t>
-                      </a:r>
-                      <a:endParaRPr lang="en-IN" sz="2200" dirty="0"/>
-                    </a:p>
-                  </a:txBody>
-                  <a:tcPr/>
-                </a:tc>
-                <a:extLst>
-                  <a:ext uri="{0D108BD9-81ED-4DB2-BD59-A6C34878D82A}">
-                    <a16:rowId xmlns:a16="http://schemas.microsoft.com/office/drawing/2014/main" val="725868323"/>
-                  </a:ext>
-                </a:extLst>
-              </a:tr>
-              <a:tr h="696868">
-                <a:tc>
-                  <a:txBody>
-                    <a:bodyPr/>
-                    <a:lstStyle/>
-                    <a:p>
-                      <a:pPr algn="l">
-                        <a:lnSpc>
-                          <a:spcPct val="150000"/>
-                        </a:lnSpc>
-                      </a:pPr>
-                      <a:r>
-                        <a:rPr lang="en-US" sz="2000" dirty="0"/>
-                        <a:t>SVM</a:t>
-                      </a:r>
-                      <a:endParaRPr lang="en-IN" sz="2000" dirty="0"/>
-                    </a:p>
-                  </a:txBody>
-                  <a:tcPr/>
-                </a:tc>
-                <a:tc>
-                  <a:txBody>
-                    <a:bodyPr/>
-                    <a:lstStyle/>
-                    <a:p>
-                      <a:pPr algn="ctr">
-                        <a:lnSpc>
-                          <a:spcPct val="150000"/>
-                        </a:lnSpc>
-                      </a:pPr>
-                      <a:r>
-                        <a:rPr lang="en-US" sz="2200" dirty="0"/>
-                        <a:t>64</a:t>
-                      </a:r>
-                      <a:endParaRPr lang="en-IN" sz="2200" dirty="0"/>
-                    </a:p>
-                  </a:txBody>
-                  <a:tcPr/>
-                </a:tc>
-                <a:tc>
-                  <a:txBody>
-                    <a:bodyPr/>
-                    <a:lstStyle/>
-                    <a:p>
-                      <a:pPr algn="ctr">
-                        <a:lnSpc>
-                          <a:spcPct val="150000"/>
-                        </a:lnSpc>
-                      </a:pPr>
-                      <a:r>
-                        <a:rPr lang="en-US" sz="2200" dirty="0"/>
-                        <a:t>66</a:t>
-                      </a:r>
-                      <a:endParaRPr lang="en-IN" sz="2200" dirty="0"/>
-                    </a:p>
-                  </a:txBody>
-                  <a:tcPr/>
-                </a:tc>
-                <a:tc>
-                  <a:txBody>
-                    <a:bodyPr/>
-                    <a:lstStyle/>
-                    <a:p>
-                      <a:pPr algn="ctr">
-                        <a:lnSpc>
-                          <a:spcPct val="150000"/>
-                        </a:lnSpc>
-                      </a:pPr>
-                      <a:r>
-                        <a:rPr lang="en-US" sz="2200" dirty="0"/>
-                        <a:t>67</a:t>
-                      </a:r>
-                      <a:endParaRPr lang="en-IN" sz="2200" dirty="0"/>
-                    </a:p>
-                  </a:txBody>
-                  <a:tcPr/>
-                </a:tc>
-                <a:tc>
-                  <a:txBody>
-                    <a:bodyPr/>
-                    <a:lstStyle/>
-                    <a:p>
-                      <a:pPr algn="ctr">
-                        <a:lnSpc>
-                          <a:spcPct val="150000"/>
-                        </a:lnSpc>
-                      </a:pPr>
-                      <a:r>
-                        <a:rPr lang="en-US" sz="2200" dirty="0"/>
-                        <a:t>69</a:t>
-                      </a:r>
-                      <a:endParaRPr lang="en-IN" sz="2200" dirty="0"/>
-                    </a:p>
-                  </a:txBody>
-                  <a:tcPr/>
-                </a:tc>
-                <a:extLst>
-                  <a:ext uri="{0D108BD9-81ED-4DB2-BD59-A6C34878D82A}">
-                    <a16:rowId xmlns:a16="http://schemas.microsoft.com/office/drawing/2014/main" val="1724780302"/>
-                  </a:ext>
-                </a:extLst>
-              </a:tr>
-            </a:tbl>
-          </a:graphicData>
-        </a:graphic>
-      </p:graphicFrame>
       <p:sp>
         <p:nvSpPr>
           <p:cNvPr id="4" name="Slide Number Placeholder 3">
@@ -19357,55 +18309,12 @@
             <a:fld id="{48F63A3B-78C7-47BE-AE5E-E10140E04643}" type="slidenum">
               <a:rPr lang="en-US" smtClean="0"/>
               <a:pPr/>
-              <a:t>20</a:t>
+              <a:t>17</a:t>
             </a:fld>
             <a:endParaRPr lang="en-US" dirty="0"/>
           </a:p>
         </p:txBody>
       </p:sp>
-      <p:cxnSp>
-        <p:nvCxnSpPr>
-          <p:cNvPr id="8" name="Straight Connector 7">
-            <a:extLst>
-              <a:ext uri="{FF2B5EF4-FFF2-40B4-BE49-F238E27FC236}">
-                <a16:creationId xmlns:a16="http://schemas.microsoft.com/office/drawing/2014/main" id="{35E7FEDB-7156-C8B4-BCA1-86B37B36EA0C}"/>
-              </a:ext>
-            </a:extLst>
-          </p:cNvPr>
-          <p:cNvCxnSpPr>
-            <a:cxnSpLocks/>
-          </p:cNvCxnSpPr>
-          <p:nvPr/>
-        </p:nvCxnSpPr>
-        <p:spPr>
-          <a:xfrm>
-            <a:off x="903514" y="1806125"/>
-            <a:ext cx="1426029" cy="658867"/>
-          </a:xfrm>
-          <a:prstGeom prst="line">
-            <a:avLst/>
-          </a:prstGeom>
-          <a:ln>
-            <a:solidFill>
-              <a:schemeClr val="tx1"/>
-            </a:solidFill>
-          </a:ln>
-        </p:spPr>
-        <p:style>
-          <a:lnRef idx="1">
-            <a:schemeClr val="accent1"/>
-          </a:lnRef>
-          <a:fillRef idx="0">
-            <a:schemeClr val="accent1"/>
-          </a:fillRef>
-          <a:effectRef idx="0">
-            <a:schemeClr val="accent1"/>
-          </a:effectRef>
-          <a:fontRef idx="minor">
-            <a:schemeClr val="tx1"/>
-          </a:fontRef>
-        </p:style>
-      </p:cxnSp>
       <p:sp>
         <p:nvSpPr>
           <p:cNvPr id="9" name="TextBox 8">
@@ -19420,8 +18329,8 @@
         </p:nvSpPr>
         <p:spPr>
           <a:xfrm>
-            <a:off x="903514" y="1065547"/>
-            <a:ext cx="9851571" cy="461665"/>
+            <a:off x="816430" y="846875"/>
+            <a:ext cx="10874827" cy="461665"/>
           </a:xfrm>
           <a:prstGeom prst="rect">
             <a:avLst/>
@@ -19435,7 +18344,7 @@
           <a:lstStyle/>
           <a:p>
             <a:r>
-              <a:rPr lang="en-US" sz="2400"/>
+              <a:rPr lang="en-US" sz="2400" dirty="0"/>
               <a:t>Accuracy of different models at various test sizes</a:t>
             </a:r>
             <a:endParaRPr lang="en-IN" sz="2400" dirty="0"/>
@@ -19457,51 +18366,51 @@
           <p:nvPr>
             <p:extLst>
               <p:ext uri="{D42A27DB-BD31-4B8C-83A1-F6EECF244321}">
-                <p14:modId xmlns:p14="http://schemas.microsoft.com/office/powerpoint/2010/main" val="3647225456"/>
+                <p14:modId xmlns:p14="http://schemas.microsoft.com/office/powerpoint/2010/main" val="2877119794"/>
               </p:ext>
             </p:extLst>
           </p:nvPr>
         </p:nvGraphicFramePr>
         <p:xfrm>
-          <a:off x="6294437" y="1782561"/>
-          <a:ext cx="5309735" cy="3490626"/>
+          <a:off x="533401" y="1506594"/>
+          <a:ext cx="7293429" cy="4957332"/>
         </p:xfrm>
         <a:graphic>
           <a:graphicData uri="http://schemas.openxmlformats.org/drawingml/2006/table">
             <a:tbl>
               <a:tblPr firstRow="1" bandRow="1">
-                <a:tableStyleId>{5940675A-B579-460E-94D1-54222C63F5DA}</a:tableStyleId>
+                <a:tableStyleId>{93296810-A885-4BE3-A3E7-6D5BEEA58F35}</a:tableStyleId>
               </a:tblPr>
               <a:tblGrid>
-                <a:gridCol w="1663020">
+                <a:gridCol w="2284316">
                   <a:extLst>
                     <a:ext uri="{9D8B030D-6E8A-4147-A177-3AD203B41FA5}">
                       <a16:colId xmlns:a16="http://schemas.microsoft.com/office/drawing/2014/main" val="2367367804"/>
                     </a:ext>
                   </a:extLst>
                 </a:gridCol>
-                <a:gridCol w="947057">
+                <a:gridCol w="1300873">
                   <a:extLst>
                     <a:ext uri="{9D8B030D-6E8A-4147-A177-3AD203B41FA5}">
                       <a16:colId xmlns:a16="http://schemas.microsoft.com/office/drawing/2014/main" val="2284648674"/>
                     </a:ext>
                   </a:extLst>
                 </a:gridCol>
-                <a:gridCol w="936172">
+                <a:gridCol w="1285922">
                   <a:extLst>
                     <a:ext uri="{9D8B030D-6E8A-4147-A177-3AD203B41FA5}">
                       <a16:colId xmlns:a16="http://schemas.microsoft.com/office/drawing/2014/main" val="2376559494"/>
                     </a:ext>
                   </a:extLst>
                 </a:gridCol>
-                <a:gridCol w="881743">
+                <a:gridCol w="1211159">
                   <a:extLst>
                     <a:ext uri="{9D8B030D-6E8A-4147-A177-3AD203B41FA5}">
                       <a16:colId xmlns:a16="http://schemas.microsoft.com/office/drawing/2014/main" val="3620468428"/>
                     </a:ext>
                   </a:extLst>
                 </a:gridCol>
-                <a:gridCol w="881743">
+                <a:gridCol w="1211159">
                   <a:extLst>
                     <a:ext uri="{9D8B030D-6E8A-4147-A177-3AD203B41FA5}">
                       <a16:colId xmlns:a16="http://schemas.microsoft.com/office/drawing/2014/main" val="3332974552"/>
@@ -19509,7 +18418,7 @@
                   </a:extLst>
                 </a:gridCol>
               </a:tblGrid>
-              <a:tr h="696182">
+              <a:tr h="780240">
                 <a:tc>
                   <a:txBody>
                     <a:bodyPr/>
@@ -19640,10 +18549,10 @@
                         </a:lnSpc>
                       </a:pPr>
                       <a:r>
-                        <a:rPr lang="en-US" sz="2200" dirty="0"/>
+                        <a:rPr lang="en-US" sz="2200" b="1" dirty="0"/>
                         <a:t>74</a:t>
                       </a:r>
-                      <a:endParaRPr lang="en-IN" sz="2200" dirty="0"/>
+                      <a:endParaRPr lang="en-IN" sz="2200" b="1" dirty="0"/>
                     </a:p>
                   </a:txBody>
                   <a:tcPr/>
@@ -19794,10 +18703,10 @@
                         </a:lnSpc>
                       </a:pPr>
                       <a:r>
-                        <a:rPr lang="en-US" sz="2200" dirty="0"/>
+                        <a:rPr lang="en-US" sz="2200" b="1" dirty="0"/>
                         <a:t>68</a:t>
                       </a:r>
-                      <a:endParaRPr lang="en-IN" sz="2200" dirty="0"/>
+                      <a:endParaRPr lang="en-IN" sz="2200" b="1" dirty="0"/>
                     </a:p>
                   </a:txBody>
                   <a:tcPr/>
@@ -19839,10 +18748,10 @@
                         </a:lnSpc>
                       </a:pPr>
                       <a:r>
-                        <a:rPr lang="en-US" sz="2200" dirty="0"/>
+                        <a:rPr lang="en-US" sz="2200" b="1" dirty="0"/>
                         <a:t>71</a:t>
                       </a:r>
-                      <a:endParaRPr lang="en-IN" sz="2200" dirty="0"/>
+                      <a:endParaRPr lang="en-IN" sz="2200" b="1" dirty="0"/>
                     </a:p>
                   </a:txBody>
                   <a:tcPr/>
@@ -19941,10 +18850,10 @@
                         </a:lnSpc>
                       </a:pPr>
                       <a:r>
-                        <a:rPr lang="en-US" sz="2200" dirty="0"/>
+                        <a:rPr lang="en-US" sz="2200" b="1" dirty="0"/>
                         <a:t>75</a:t>
                       </a:r>
-                      <a:endParaRPr lang="en-IN" sz="2200" dirty="0"/>
+                      <a:endParaRPr lang="en-IN" sz="2200" b="1" dirty="0"/>
                     </a:p>
                   </a:txBody>
                   <a:tcPr/>
@@ -20012,6 +18921,210 @@
                   </a:ext>
                 </a:extLst>
               </a:tr>
+              <a:tr h="696182">
+                <a:tc>
+                  <a:txBody>
+                    <a:bodyPr/>
+                    <a:lstStyle/>
+                    <a:p>
+                      <a:pPr>
+                        <a:lnSpc>
+                          <a:spcPct val="150000"/>
+                        </a:lnSpc>
+                      </a:pPr>
+                      <a:r>
+                        <a:rPr lang="en-US" sz="2000" dirty="0"/>
+                        <a:t>RNN</a:t>
+                      </a:r>
+                      <a:endParaRPr lang="en-IN" sz="2000" dirty="0"/>
+                    </a:p>
+                  </a:txBody>
+                  <a:tcPr/>
+                </a:tc>
+                <a:tc>
+                  <a:txBody>
+                    <a:bodyPr/>
+                    <a:lstStyle/>
+                    <a:p>
+                      <a:pPr algn="ctr">
+                        <a:lnSpc>
+                          <a:spcPct val="150000"/>
+                        </a:lnSpc>
+                      </a:pPr>
+                      <a:r>
+                        <a:rPr lang="en-US" sz="2200" b="1" dirty="0"/>
+                        <a:t>82.69</a:t>
+                      </a:r>
+                      <a:endParaRPr lang="en-IN" sz="2200" b="1" dirty="0"/>
+                    </a:p>
+                  </a:txBody>
+                  <a:tcPr/>
+                </a:tc>
+                <a:tc>
+                  <a:txBody>
+                    <a:bodyPr/>
+                    <a:lstStyle/>
+                    <a:p>
+                      <a:pPr algn="ctr">
+                        <a:lnSpc>
+                          <a:spcPct val="150000"/>
+                        </a:lnSpc>
+                      </a:pPr>
+                      <a:r>
+                        <a:rPr lang="en-US" sz="2200" dirty="0"/>
+                        <a:t>82</a:t>
+                      </a:r>
+                      <a:endParaRPr lang="en-IN" sz="2200" dirty="0"/>
+                    </a:p>
+                  </a:txBody>
+                  <a:tcPr/>
+                </a:tc>
+                <a:tc>
+                  <a:txBody>
+                    <a:bodyPr/>
+                    <a:lstStyle/>
+                    <a:p>
+                      <a:pPr algn="ctr">
+                        <a:lnSpc>
+                          <a:spcPct val="150000"/>
+                        </a:lnSpc>
+                      </a:pPr>
+                      <a:r>
+                        <a:rPr lang="en-US" sz="2200" dirty="0"/>
+                        <a:t>82.41</a:t>
+                      </a:r>
+                      <a:endParaRPr lang="en-IN" sz="2200" dirty="0"/>
+                    </a:p>
+                  </a:txBody>
+                  <a:tcPr/>
+                </a:tc>
+                <a:tc>
+                  <a:txBody>
+                    <a:bodyPr/>
+                    <a:lstStyle/>
+                    <a:p>
+                      <a:pPr algn="ctr">
+                        <a:lnSpc>
+                          <a:spcPct val="150000"/>
+                        </a:lnSpc>
+                      </a:pPr>
+                      <a:r>
+                        <a:rPr lang="en-US" sz="2200" dirty="0"/>
+                        <a:t>79.93</a:t>
+                      </a:r>
+                      <a:endParaRPr lang="en-IN" sz="2200" dirty="0"/>
+                    </a:p>
+                  </a:txBody>
+                  <a:tcPr/>
+                </a:tc>
+                <a:extLst>
+                  <a:ext uri="{0D108BD9-81ED-4DB2-BD59-A6C34878D82A}">
+                    <a16:rowId xmlns:a16="http://schemas.microsoft.com/office/drawing/2014/main" val="2806637426"/>
+                  </a:ext>
+                </a:extLst>
+              </a:tr>
+              <a:tr h="696182">
+                <a:tc>
+                  <a:txBody>
+                    <a:bodyPr/>
+                    <a:lstStyle/>
+                    <a:p>
+                      <a:pPr>
+                        <a:lnSpc>
+                          <a:spcPct val="150000"/>
+                        </a:lnSpc>
+                      </a:pPr>
+                      <a:r>
+                        <a:rPr lang="en-US" sz="2000" dirty="0"/>
+                        <a:t>LSTM</a:t>
+                      </a:r>
+                      <a:endParaRPr lang="en-IN" sz="2000" dirty="0"/>
+                    </a:p>
+                  </a:txBody>
+                  <a:tcPr/>
+                </a:tc>
+                <a:tc>
+                  <a:txBody>
+                    <a:bodyPr/>
+                    <a:lstStyle/>
+                    <a:p>
+                      <a:pPr algn="ctr">
+                        <a:lnSpc>
+                          <a:spcPct val="150000"/>
+                        </a:lnSpc>
+                      </a:pPr>
+                      <a:r>
+                        <a:rPr lang="en-US" sz="2200" b="1" dirty="0"/>
+                        <a:t>83.12</a:t>
+                      </a:r>
+                      <a:endParaRPr lang="en-IN" sz="2200" b="1" dirty="0"/>
+                    </a:p>
+                  </a:txBody>
+                  <a:tcPr/>
+                </a:tc>
+                <a:tc>
+                  <a:txBody>
+                    <a:bodyPr/>
+                    <a:lstStyle/>
+                    <a:p>
+                      <a:pPr algn="ctr">
+                        <a:lnSpc>
+                          <a:spcPct val="150000"/>
+                        </a:lnSpc>
+                      </a:pPr>
+                      <a:r>
+                        <a:rPr lang="en-US" sz="2200" dirty="0"/>
+                        <a:t>82.52</a:t>
+                      </a:r>
+                      <a:endParaRPr lang="en-IN" sz="2200" dirty="0"/>
+                    </a:p>
+                  </a:txBody>
+                  <a:tcPr/>
+                </a:tc>
+                <a:tc>
+                  <a:txBody>
+                    <a:bodyPr/>
+                    <a:lstStyle/>
+                    <a:p>
+                      <a:pPr algn="ctr">
+                        <a:lnSpc>
+                          <a:spcPct val="150000"/>
+                        </a:lnSpc>
+                      </a:pPr>
+                      <a:r>
+                        <a:rPr lang="en-US" sz="2200" dirty="0"/>
+                        <a:t>82.49</a:t>
+                      </a:r>
+                      <a:endParaRPr lang="en-IN" sz="2200" dirty="0"/>
+                    </a:p>
+                  </a:txBody>
+                  <a:tcPr/>
+                </a:tc>
+                <a:tc>
+                  <a:txBody>
+                    <a:bodyPr/>
+                    <a:lstStyle/>
+                    <a:p>
+                      <a:pPr algn="ctr">
+                        <a:lnSpc>
+                          <a:spcPct val="150000"/>
+                        </a:lnSpc>
+                      </a:pPr>
+                      <a:r>
+                        <a:rPr lang="en-US" sz="2200" dirty="0"/>
+                        <a:t>82.80</a:t>
+                      </a:r>
+                      <a:endParaRPr lang="en-IN" sz="2200" dirty="0"/>
+                    </a:p>
+                  </a:txBody>
+                  <a:tcPr/>
+                </a:tc>
+                <a:extLst>
+                  <a:ext uri="{0D108BD9-81ED-4DB2-BD59-A6C34878D82A}">
+                    <a16:rowId xmlns:a16="http://schemas.microsoft.com/office/drawing/2014/main" val="1107337957"/>
+                  </a:ext>
+                </a:extLst>
+              </a:tr>
             </a:tbl>
           </a:graphicData>
         </a:graphic>
@@ -20032,8 +19145,8 @@
         </p:nvCxnSpPr>
         <p:spPr>
           <a:xfrm>
-            <a:off x="6294437" y="1782561"/>
-            <a:ext cx="1673906" cy="658867"/>
+            <a:off x="533401" y="1506594"/>
+            <a:ext cx="2231570" cy="749151"/>
           </a:xfrm>
           <a:prstGeom prst="line">
             <a:avLst/>
@@ -20059,43 +19172,340 @@
           </a:fontRef>
         </p:style>
       </p:cxnSp>
-      <p:sp>
-        <p:nvSpPr>
-          <p:cNvPr id="14" name="TextBox 13">
+      <p:graphicFrame>
+        <p:nvGraphicFramePr>
+          <p:cNvPr id="12" name="Table 11">
             <a:extLst>
               <a:ext uri="{FF2B5EF4-FFF2-40B4-BE49-F238E27FC236}">
-                <a16:creationId xmlns:a16="http://schemas.microsoft.com/office/drawing/2014/main" id="{1112E804-9ED9-D0BD-A013-6CE5C37F4EE5}"/>
+                <a16:creationId xmlns:a16="http://schemas.microsoft.com/office/drawing/2014/main" id="{2CC94E22-D401-0709-DA22-5A18DE06C39E}"/>
               </a:ext>
             </a:extLst>
           </p:cNvPr>
-          <p:cNvSpPr txBox="1"/>
-          <p:nvPr/>
-        </p:nvSpPr>
-        <p:spPr>
-          <a:xfrm>
-            <a:off x="819884" y="5478803"/>
-            <a:ext cx="10700658" cy="430887"/>
-          </a:xfrm>
-          <a:prstGeom prst="rect">
-            <a:avLst/>
-          </a:prstGeom>
-          <a:noFill/>
-        </p:spPr>
-        <p:txBody>
-          <a:bodyPr wrap="square" rtlCol="0">
-            <a:spAutoFit/>
-          </a:bodyPr>
-          <a:lstStyle/>
-          <a:p>
-            <a:pPr algn="ctr"/>
-            <a:r>
-              <a:rPr lang="en-US" sz="2200" dirty="0"/>
-              <a:t>For 1000 comments									For 2031 comments</a:t>
-            </a:r>
-            <a:endParaRPr lang="en-IN" sz="2200" dirty="0"/>
-          </a:p>
-        </p:txBody>
-      </p:sp>
+          <p:cNvGraphicFramePr>
+            <a:graphicFrameLocks noGrp="1"/>
+          </p:cNvGraphicFramePr>
+          <p:nvPr>
+            <p:extLst>
+              <p:ext uri="{D42A27DB-BD31-4B8C-83A1-F6EECF244321}">
+                <p14:modId xmlns:p14="http://schemas.microsoft.com/office/powerpoint/2010/main" val="1385757532"/>
+              </p:ext>
+            </p:extLst>
+          </p:nvPr>
+        </p:nvGraphicFramePr>
+        <p:xfrm>
+          <a:off x="7913915" y="3985260"/>
+          <a:ext cx="4125686" cy="1863668"/>
+        </p:xfrm>
+        <a:graphic>
+          <a:graphicData uri="http://schemas.openxmlformats.org/drawingml/2006/table">
+            <a:tbl>
+              <a:tblPr firstRow="1" bandRow="1">
+                <a:tableStyleId>{93296810-A885-4BE3-A3E7-6D5BEEA58F35}</a:tableStyleId>
+              </a:tblPr>
+              <a:tblGrid>
+                <a:gridCol w="1912299">
+                  <a:extLst>
+                    <a:ext uri="{9D8B030D-6E8A-4147-A177-3AD203B41FA5}">
+                      <a16:colId xmlns:a16="http://schemas.microsoft.com/office/drawing/2014/main" val="2770641891"/>
+                    </a:ext>
+                  </a:extLst>
+                </a:gridCol>
+                <a:gridCol w="2213387">
+                  <a:extLst>
+                    <a:ext uri="{9D8B030D-6E8A-4147-A177-3AD203B41FA5}">
+                      <a16:colId xmlns:a16="http://schemas.microsoft.com/office/drawing/2014/main" val="2202024366"/>
+                    </a:ext>
+                  </a:extLst>
+                </a:gridCol>
+              </a:tblGrid>
+              <a:tr h="464011">
+                <a:tc>
+                  <a:txBody>
+                    <a:bodyPr/>
+                    <a:lstStyle/>
+                    <a:p>
+                      <a:pPr algn="ctr"/>
+                      <a:r>
+                        <a:rPr lang="en-US" sz="2200" dirty="0"/>
+                        <a:t>Label</a:t>
+                      </a:r>
+                      <a:endParaRPr lang="en-IN" sz="2200" dirty="0"/>
+                    </a:p>
+                  </a:txBody>
+                  <a:tcPr/>
+                </a:tc>
+                <a:tc>
+                  <a:txBody>
+                    <a:bodyPr/>
+                    <a:lstStyle/>
+                    <a:p>
+                      <a:pPr algn="ctr"/>
+                      <a:r>
+                        <a:rPr lang="en-US" sz="2200" dirty="0"/>
+                        <a:t>Percentage</a:t>
+                      </a:r>
+                      <a:endParaRPr lang="en-IN" sz="2200" dirty="0"/>
+                    </a:p>
+                  </a:txBody>
+                  <a:tcPr/>
+                </a:tc>
+                <a:extLst>
+                  <a:ext uri="{0D108BD9-81ED-4DB2-BD59-A6C34878D82A}">
+                    <a16:rowId xmlns:a16="http://schemas.microsoft.com/office/drawing/2014/main" val="1625428120"/>
+                  </a:ext>
+                </a:extLst>
+              </a:tr>
+              <a:tr h="587637">
+                <a:tc>
+                  <a:txBody>
+                    <a:bodyPr/>
+                    <a:lstStyle/>
+                    <a:p>
+                      <a:pPr algn="ctr"/>
+                      <a:r>
+                        <a:rPr lang="en-US" sz="2200" dirty="0"/>
+                        <a:t>Cyberbullying</a:t>
+                      </a:r>
+                      <a:endParaRPr lang="en-IN" sz="2200" dirty="0"/>
+                    </a:p>
+                  </a:txBody>
+                  <a:tcPr/>
+                </a:tc>
+                <a:tc>
+                  <a:txBody>
+                    <a:bodyPr/>
+                    <a:lstStyle/>
+                    <a:p>
+                      <a:pPr algn="ctr"/>
+                      <a:r>
+                        <a:rPr lang="en-US" sz="2200" dirty="0"/>
+                        <a:t>55%</a:t>
+                      </a:r>
+                      <a:endParaRPr lang="en-IN" sz="2200" dirty="0"/>
+                    </a:p>
+                  </a:txBody>
+                  <a:tcPr/>
+                </a:tc>
+                <a:extLst>
+                  <a:ext uri="{0D108BD9-81ED-4DB2-BD59-A6C34878D82A}">
+                    <a16:rowId xmlns:a16="http://schemas.microsoft.com/office/drawing/2014/main" val="3097318695"/>
+                  </a:ext>
+                </a:extLst>
+              </a:tr>
+              <a:tr h="812020">
+                <a:tc>
+                  <a:txBody>
+                    <a:bodyPr/>
+                    <a:lstStyle/>
+                    <a:p>
+                      <a:pPr algn="ctr"/>
+                      <a:r>
+                        <a:rPr lang="en-US" sz="2200" dirty="0"/>
+                        <a:t>Non Cyberbullying </a:t>
+                      </a:r>
+                      <a:endParaRPr lang="en-IN" sz="2200" dirty="0"/>
+                    </a:p>
+                  </a:txBody>
+                  <a:tcPr/>
+                </a:tc>
+                <a:tc>
+                  <a:txBody>
+                    <a:bodyPr/>
+                    <a:lstStyle/>
+                    <a:p>
+                      <a:pPr algn="ctr"/>
+                      <a:r>
+                        <a:rPr lang="en-US" sz="2200" dirty="0"/>
+                        <a:t>45%</a:t>
+                      </a:r>
+                      <a:endParaRPr lang="en-IN" sz="2200" dirty="0"/>
+                    </a:p>
+                  </a:txBody>
+                  <a:tcPr/>
+                </a:tc>
+                <a:extLst>
+                  <a:ext uri="{0D108BD9-81ED-4DB2-BD59-A6C34878D82A}">
+                    <a16:rowId xmlns:a16="http://schemas.microsoft.com/office/drawing/2014/main" val="2005711110"/>
+                  </a:ext>
+                </a:extLst>
+              </a:tr>
+            </a:tbl>
+          </a:graphicData>
+        </a:graphic>
+      </p:graphicFrame>
+      <p:graphicFrame>
+        <p:nvGraphicFramePr>
+          <p:cNvPr id="13" name="Table 12">
+            <a:extLst>
+              <a:ext uri="{FF2B5EF4-FFF2-40B4-BE49-F238E27FC236}">
+                <a16:creationId xmlns:a16="http://schemas.microsoft.com/office/drawing/2014/main" id="{13B545AD-973E-F565-BB0D-55787EF78693}"/>
+              </a:ext>
+            </a:extLst>
+          </p:cNvPr>
+          <p:cNvGraphicFramePr>
+            <a:graphicFrameLocks noGrp="1"/>
+          </p:cNvGraphicFramePr>
+          <p:nvPr>
+            <p:extLst>
+              <p:ext uri="{D42A27DB-BD31-4B8C-83A1-F6EECF244321}">
+                <p14:modId xmlns:p14="http://schemas.microsoft.com/office/powerpoint/2010/main" val="1454730473"/>
+              </p:ext>
+            </p:extLst>
+          </p:nvPr>
+        </p:nvGraphicFramePr>
+        <p:xfrm>
+          <a:off x="7913915" y="1775562"/>
+          <a:ext cx="3744684" cy="1741488"/>
+        </p:xfrm>
+        <a:graphic>
+          <a:graphicData uri="http://schemas.openxmlformats.org/drawingml/2006/table">
+            <a:tbl>
+              <a:tblPr firstRow="1" bandRow="1">
+                <a:tableStyleId>{16D9F66E-5EB9-4882-86FB-DCBF35E3C3E4}</a:tableStyleId>
+              </a:tblPr>
+              <a:tblGrid>
+                <a:gridCol w="1872342">
+                  <a:extLst>
+                    <a:ext uri="{9D8B030D-6E8A-4147-A177-3AD203B41FA5}">
+                      <a16:colId xmlns:a16="http://schemas.microsoft.com/office/drawing/2014/main" val="965360162"/>
+                    </a:ext>
+                  </a:extLst>
+                </a:gridCol>
+                <a:gridCol w="1872342">
+                  <a:extLst>
+                    <a:ext uri="{9D8B030D-6E8A-4147-A177-3AD203B41FA5}">
+                      <a16:colId xmlns:a16="http://schemas.microsoft.com/office/drawing/2014/main" val="2353230052"/>
+                    </a:ext>
+                  </a:extLst>
+                </a:gridCol>
+              </a:tblGrid>
+              <a:tr h="0">
+                <a:tc>
+                  <a:txBody>
+                    <a:bodyPr/>
+                    <a:lstStyle/>
+                    <a:p>
+                      <a:pPr algn="ctr"/>
+                      <a:r>
+                        <a:rPr lang="en-US" dirty="0"/>
+                        <a:t>Total Comments</a:t>
+                      </a:r>
+                      <a:endParaRPr lang="en-IN" dirty="0"/>
+                    </a:p>
+                  </a:txBody>
+                  <a:tcPr/>
+                </a:tc>
+                <a:tc>
+                  <a:txBody>
+                    <a:bodyPr/>
+                    <a:lstStyle/>
+                    <a:p>
+                      <a:pPr algn="ctr">
+                        <a:lnSpc>
+                          <a:spcPct val="150000"/>
+                        </a:lnSpc>
+                      </a:pPr>
+                      <a:r>
+                        <a:rPr lang="en-US" dirty="0"/>
+                        <a:t>17622</a:t>
+                      </a:r>
+                      <a:endParaRPr lang="en-IN" dirty="0"/>
+                    </a:p>
+                  </a:txBody>
+                  <a:tcPr/>
+                </a:tc>
+                <a:extLst>
+                  <a:ext uri="{0D108BD9-81ED-4DB2-BD59-A6C34878D82A}">
+                    <a16:rowId xmlns:a16="http://schemas.microsoft.com/office/drawing/2014/main" val="2736932811"/>
+                  </a:ext>
+                </a:extLst>
+              </a:tr>
+              <a:tr h="370840">
+                <a:tc>
+                  <a:txBody>
+                    <a:bodyPr/>
+                    <a:lstStyle/>
+                    <a:p>
+                      <a:pPr algn="ctr"/>
+                      <a:r>
+                        <a:rPr lang="en-US" dirty="0"/>
+                        <a:t>Cyberbullying</a:t>
+                      </a:r>
+                      <a:endParaRPr lang="en-IN" dirty="0"/>
+                    </a:p>
+                  </a:txBody>
+                  <a:tcPr/>
+                </a:tc>
+                <a:tc>
+                  <a:txBody>
+                    <a:bodyPr/>
+                    <a:lstStyle/>
+                    <a:p>
+                      <a:pPr algn="ctr">
+                        <a:lnSpc>
+                          <a:spcPct val="150000"/>
+                        </a:lnSpc>
+                      </a:pPr>
+                      <a:r>
+                        <a:rPr lang="en-US" dirty="0"/>
+                        <a:t>9692</a:t>
+                      </a:r>
+                      <a:endParaRPr lang="en-IN" dirty="0"/>
+                    </a:p>
+                  </a:txBody>
+                  <a:tcPr/>
+                </a:tc>
+                <a:extLst>
+                  <a:ext uri="{0D108BD9-81ED-4DB2-BD59-A6C34878D82A}">
+                    <a16:rowId xmlns:a16="http://schemas.microsoft.com/office/drawing/2014/main" val="3145015687"/>
+                  </a:ext>
+                </a:extLst>
+              </a:tr>
+              <a:tr h="370840">
+                <a:tc>
+                  <a:txBody>
+                    <a:bodyPr/>
+                    <a:lstStyle/>
+                    <a:p>
+                      <a:pPr algn="ctr"/>
+                      <a:r>
+                        <a:rPr lang="en-US" dirty="0"/>
+                        <a:t>Non cyberbullying</a:t>
+                      </a:r>
+                      <a:endParaRPr lang="en-IN" dirty="0"/>
+                    </a:p>
+                  </a:txBody>
+                  <a:tcPr/>
+                </a:tc>
+                <a:tc>
+                  <a:txBody>
+                    <a:bodyPr/>
+                    <a:lstStyle/>
+                    <a:p>
+                      <a:pPr algn="ctr">
+                        <a:lnSpc>
+                          <a:spcPct val="150000"/>
+                        </a:lnSpc>
+                      </a:pPr>
+                      <a:r>
+                        <a:rPr lang="en-US" dirty="0"/>
+                        <a:t>7929</a:t>
+                      </a:r>
+                      <a:endParaRPr lang="en-IN" dirty="0"/>
+                    </a:p>
+                  </a:txBody>
+                  <a:tcPr/>
+                </a:tc>
+                <a:extLst>
+                  <a:ext uri="{0D108BD9-81ED-4DB2-BD59-A6C34878D82A}">
+                    <a16:rowId xmlns:a16="http://schemas.microsoft.com/office/drawing/2014/main" val="335964899"/>
+                  </a:ext>
+                </a:extLst>
+              </a:tr>
+            </a:tbl>
+          </a:graphicData>
+        </a:graphic>
+      </p:graphicFrame>
     </p:spTree>
     <p:extLst>
       <p:ext uri="{BB962C8B-B14F-4D97-AF65-F5344CB8AC3E}">
@@ -20109,7 +19519,7 @@
 </p:sld>
 </file>
 
-<file path=ppt/slides/slide21.xml><?xml version="1.0" encoding="utf-8"?>
+<file path=ppt/slides/slide18.xml><?xml version="1.0" encoding="utf-8"?>
 <p:sld xmlns:a="http://schemas.openxmlformats.org/drawingml/2006/main" xmlns:r="http://schemas.openxmlformats.org/officeDocument/2006/relationships" xmlns:p="http://schemas.openxmlformats.org/presentationml/2006/main">
   <p:cSld>
     <p:spTree>
@@ -20131,7 +19541,7 @@
           <p:cNvPr id="2" name="Title 1">
             <a:extLst>
               <a:ext uri="{FF2B5EF4-FFF2-40B4-BE49-F238E27FC236}">
-                <a16:creationId xmlns:a16="http://schemas.microsoft.com/office/drawing/2014/main" id="{34FBE585-36AE-24EB-56A5-2ABC08C56587}"/>
+                <a16:creationId xmlns:a16="http://schemas.microsoft.com/office/drawing/2014/main" id="{98EA5581-0DFA-D535-235D-894F76F193FA}"/>
               </a:ext>
             </a:extLst>
           </p:cNvPr>
@@ -20144,8 +19554,8 @@
         </p:nvSpPr>
         <p:spPr>
           <a:xfrm>
-            <a:off x="914400" y="694482"/>
-            <a:ext cx="10511627" cy="740779"/>
+            <a:off x="914400" y="582492"/>
+            <a:ext cx="10511627" cy="639177"/>
           </a:xfrm>
         </p:spPr>
         <p:txBody>
@@ -20154,133 +19564,8 @@
           <a:p>
             <a:r>
               <a:rPr lang="en-US" dirty="0"/>
-              <a:t>ACCURACY</a:t>
+              <a:t>SOFTWARE TOOLS</a:t>
             </a:r>
-            <a:endParaRPr lang="en-IN" dirty="0"/>
-          </a:p>
-        </p:txBody>
-      </p:sp>
-      <p:sp>
-        <p:nvSpPr>
-          <p:cNvPr id="3" name="Content Placeholder 2">
-            <a:extLst>
-              <a:ext uri="{FF2B5EF4-FFF2-40B4-BE49-F238E27FC236}">
-                <a16:creationId xmlns:a16="http://schemas.microsoft.com/office/drawing/2014/main" id="{C418528F-ABD8-EF0E-8E64-9BD30E0B5596}"/>
-              </a:ext>
-            </a:extLst>
-          </p:cNvPr>
-          <p:cNvSpPr>
-            <a:spLocks noGrp="1"/>
-          </p:cNvSpPr>
-          <p:nvPr>
-            <p:ph sz="quarter" idx="4"/>
-          </p:nvPr>
-        </p:nvSpPr>
-        <p:spPr>
-          <a:xfrm>
-            <a:off x="914400" y="1794077"/>
-            <a:ext cx="10511627" cy="4470548"/>
-          </a:xfrm>
-        </p:spPr>
-        <p:txBody>
-          <a:bodyPr/>
-          <a:lstStyle/>
-          <a:p>
-            <a:pPr marL="0" indent="0">
-              <a:buNone/>
-            </a:pPr>
-            <a:r>
-              <a:rPr lang="en-US" b="1" dirty="0"/>
-              <a:t>BASELINE MODELS:</a:t>
-            </a:r>
-          </a:p>
-          <a:p>
-            <a:pPr>
-              <a:buFont typeface="Wingdings" panose="05000000000000000000" pitchFamily="2" charset="2"/>
-              <a:buChar char="Ø"/>
-            </a:pPr>
-            <a:r>
-              <a:rPr lang="en-US" b="1" dirty="0"/>
-              <a:t>SVM :  </a:t>
-            </a:r>
-          </a:p>
-          <a:p>
-            <a:pPr marL="0" indent="0">
-              <a:buNone/>
-            </a:pPr>
-            <a:r>
-              <a:rPr lang="en-US" dirty="0"/>
-              <a:t>	Accuracy: 75%</a:t>
-            </a:r>
-          </a:p>
-          <a:p>
-            <a:pPr marL="0" indent="0">
-              <a:buNone/>
-            </a:pPr>
-            <a:r>
-              <a:rPr lang="en-US" dirty="0"/>
-              <a:t>	Test size: 20%</a:t>
-            </a:r>
-          </a:p>
-          <a:p>
-            <a:pPr marL="0" indent="0">
-              <a:buNone/>
-            </a:pPr>
-            <a:r>
-              <a:rPr lang="en-US" dirty="0"/>
-              <a:t>	Dataset size: 2031 comments ( 56% cyberbullying comments, 44% non cyberbullying comments)</a:t>
-            </a:r>
-          </a:p>
-          <a:p>
-            <a:pPr marL="0" indent="0">
-              <a:buNone/>
-            </a:pPr>
-            <a:r>
-              <a:rPr lang="en-US" b="1" dirty="0"/>
-              <a:t>ADVANCED MODELS:</a:t>
-            </a:r>
-          </a:p>
-          <a:p>
-            <a:pPr>
-              <a:buFont typeface="Wingdings" panose="05000000000000000000" pitchFamily="2" charset="2"/>
-              <a:buChar char="Ø"/>
-            </a:pPr>
-            <a:r>
-              <a:rPr lang="en-US" b="1" dirty="0"/>
-              <a:t>RNN-LSTM: </a:t>
-            </a:r>
-          </a:p>
-          <a:p>
-            <a:pPr marL="0" indent="0">
-              <a:buNone/>
-            </a:pPr>
-            <a:r>
-              <a:rPr lang="en-US" dirty="0"/>
-              <a:t>	Accuracy: 76.91%</a:t>
-            </a:r>
-          </a:p>
-          <a:p>
-            <a:pPr marL="0" indent="0">
-              <a:buNone/>
-            </a:pPr>
-            <a:r>
-              <a:rPr lang="en-US" dirty="0"/>
-              <a:t>	Test size: 20%</a:t>
-            </a:r>
-          </a:p>
-          <a:p>
-            <a:pPr marL="0" indent="0">
-              <a:buNone/>
-            </a:pPr>
-            <a:r>
-              <a:rPr lang="en-US" dirty="0"/>
-              <a:t>	Dataset size: 5500 comments ( 50% cyberbullying comments, 50% non cyberbullying comments)</a:t>
-            </a:r>
-          </a:p>
-          <a:p>
-            <a:pPr marL="0" indent="0">
-              <a:buNone/>
-            </a:pPr>
             <a:endParaRPr lang="en-IN" dirty="0"/>
           </a:p>
         </p:txBody>
@@ -20290,7 +19575,7 @@
           <p:cNvPr id="4" name="Slide Number Placeholder 3">
             <a:extLst>
               <a:ext uri="{FF2B5EF4-FFF2-40B4-BE49-F238E27FC236}">
-                <a16:creationId xmlns:a16="http://schemas.microsoft.com/office/drawing/2014/main" id="{2AC000D8-BDB4-0576-52CE-2F567B961D15}"/>
+                <a16:creationId xmlns:a16="http://schemas.microsoft.com/office/drawing/2014/main" id="{B42A5CFF-3E78-F14B-702E-8964277DF67D}"/>
               </a:ext>
             </a:extLst>
           </p:cNvPr>
@@ -20309,16 +19594,624 @@
             <a:fld id="{48F63A3B-78C7-47BE-AE5E-E10140E04643}" type="slidenum">
               <a:rPr lang="en-US" smtClean="0"/>
               <a:pPr/>
-              <a:t>21</a:t>
+              <a:t>18</a:t>
             </a:fld>
             <a:endParaRPr lang="en-US" dirty="0"/>
+          </a:p>
+        </p:txBody>
+      </p:sp>
+      <p:sp>
+        <p:nvSpPr>
+          <p:cNvPr id="5" name="Rectangle 1">
+            <a:extLst>
+              <a:ext uri="{FF2B5EF4-FFF2-40B4-BE49-F238E27FC236}">
+                <a16:creationId xmlns:a16="http://schemas.microsoft.com/office/drawing/2014/main" id="{62AB210C-DBC3-C596-F827-CCF5FA8030BD}"/>
+              </a:ext>
+            </a:extLst>
+          </p:cNvPr>
+          <p:cNvSpPr>
+            <a:spLocks noGrp="1" noChangeArrowheads="1"/>
+          </p:cNvSpPr>
+          <p:nvPr>
+            <p:ph sz="quarter" idx="4"/>
+          </p:nvPr>
+        </p:nvSpPr>
+        <p:spPr bwMode="auto">
+          <a:xfrm>
+            <a:off x="914401" y="1380688"/>
+            <a:ext cx="10511626" cy="4708981"/>
+          </a:xfrm>
+          <a:prstGeom prst="rect">
+            <a:avLst/>
+          </a:prstGeom>
+          <a:noFill/>
+          <a:ln>
+            <a:noFill/>
+          </a:ln>
+          <a:effectLst/>
+          <a:extLst>
+            <a:ext uri="{909E8E84-426E-40DD-AFC4-6F175D3DCCD1}">
+              <a14:hiddenFill xmlns:a14="http://schemas.microsoft.com/office/drawing/2010/main">
+                <a:solidFill>
+                  <a:schemeClr val="accent1"/>
+                </a:solidFill>
+              </a14:hiddenFill>
+            </a:ext>
+            <a:ext uri="{91240B29-F687-4F45-9708-019B960494DF}">
+              <a14:hiddenLine xmlns:a14="http://schemas.microsoft.com/office/drawing/2010/main" w="9525">
+                <a:solidFill>
+                  <a:schemeClr val="tx1"/>
+                </a:solidFill>
+                <a:miter lim="800000"/>
+                <a:headEnd/>
+                <a:tailEnd/>
+              </a14:hiddenLine>
+            </a:ext>
+            <a:ext uri="{AF507438-7753-43E0-B8FC-AC1667EBCBE1}">
+              <a14:hiddenEffects xmlns:a14="http://schemas.microsoft.com/office/drawing/2010/main">
+                <a:effectLst>
+                  <a:outerShdw dist="35921" dir="2700000" algn="ctr" rotWithShape="0">
+                    <a:schemeClr val="bg2"/>
+                  </a:outerShdw>
+                </a:effectLst>
+              </a14:hiddenEffects>
+            </a:ext>
+          </a:extLst>
+        </p:spPr>
+        <p:txBody>
+          <a:bodyPr vert="horz" wrap="square" lIns="91440" tIns="45720" rIns="91440" bIns="45720" numCol="1" anchor="ctr" anchorCtr="0" compatLnSpc="1">
+            <a:prstTxWarp prst="textNoShape">
+              <a:avLst/>
+            </a:prstTxWarp>
+            <a:spAutoFit/>
+          </a:bodyPr>
+          <a:lstStyle/>
+          <a:p>
+            <a:pPr marR="0" lvl="0" algn="l" defTabSz="914400" rtl="0" eaLnBrk="0" fontAlgn="base" latinLnBrk="0" hangingPunct="0">
+              <a:spcBef>
+                <a:spcPct val="0"/>
+              </a:spcBef>
+              <a:spcAft>
+                <a:spcPct val="0"/>
+              </a:spcAft>
+              <a:buClrTx/>
+              <a:buSzTx/>
+              <a:tabLst/>
+            </a:pPr>
+            <a:r>
+              <a:rPr kumimoji="0" lang="en-US" altLang="en-US" sz="2000" b="1" i="0" u="none" strike="noStrike" cap="none" normalizeH="0" baseline="0" dirty="0">
+                <a:ln>
+                  <a:noFill/>
+                </a:ln>
+                <a:solidFill>
+                  <a:schemeClr val="tx1"/>
+                </a:solidFill>
+                <a:effectLst/>
+              </a:rPr>
+              <a:t>Google </a:t>
+            </a:r>
+            <a:r>
+              <a:rPr kumimoji="0" lang="en-US" altLang="en-US" sz="2000" b="1" i="0" u="none" strike="noStrike" cap="none" normalizeH="0" baseline="0" dirty="0" err="1">
+                <a:ln>
+                  <a:noFill/>
+                </a:ln>
+                <a:solidFill>
+                  <a:schemeClr val="tx1"/>
+                </a:solidFill>
+                <a:effectLst/>
+              </a:rPr>
+              <a:t>Colab</a:t>
+            </a:r>
+            <a:r>
+              <a:rPr kumimoji="0" lang="en-US" altLang="en-US" sz="2000" b="1" i="0" u="none" strike="noStrike" cap="none" normalizeH="0" baseline="0" dirty="0">
+                <a:ln>
+                  <a:noFill/>
+                </a:ln>
+                <a:solidFill>
+                  <a:schemeClr val="tx1"/>
+                </a:solidFill>
+                <a:effectLst/>
+              </a:rPr>
+              <a:t> </a:t>
+            </a:r>
+            <a:r>
+              <a:rPr lang="en-US" altLang="en-US" sz="2000" b="1" dirty="0">
+                <a:solidFill>
+                  <a:schemeClr val="tx1"/>
+                </a:solidFill>
+              </a:rPr>
+              <a:t>- </a:t>
+            </a:r>
+            <a:r>
+              <a:rPr lang="en-US" sz="2000" dirty="0">
+                <a:solidFill>
+                  <a:schemeClr val="tx1"/>
+                </a:solidFill>
+              </a:rPr>
+              <a:t>provide an online, cloud-based platform for writing and executing the code</a:t>
+            </a:r>
+          </a:p>
+          <a:p>
+            <a:pPr marR="0" lvl="0" algn="l" defTabSz="914400" rtl="0" eaLnBrk="0" fontAlgn="base" latinLnBrk="0" hangingPunct="0">
+              <a:spcBef>
+                <a:spcPct val="0"/>
+              </a:spcBef>
+              <a:spcAft>
+                <a:spcPct val="0"/>
+              </a:spcAft>
+              <a:buClrTx/>
+              <a:buSzTx/>
+              <a:tabLst/>
+            </a:pPr>
+            <a:r>
+              <a:rPr kumimoji="0" lang="en-US" altLang="en-US" sz="2000" b="1" i="0" u="none" strike="noStrike" cap="none" normalizeH="0" baseline="0" dirty="0">
+                <a:ln>
+                  <a:noFill/>
+                </a:ln>
+                <a:solidFill>
+                  <a:schemeClr val="tx1"/>
+                </a:solidFill>
+                <a:effectLst/>
+              </a:rPr>
+              <a:t>TensorFlow/</a:t>
+            </a:r>
+            <a:r>
+              <a:rPr kumimoji="0" lang="en-US" altLang="en-US" sz="2000" b="1" i="0" u="none" strike="noStrike" cap="none" normalizeH="0" baseline="0" dirty="0" err="1">
+                <a:ln>
+                  <a:noFill/>
+                </a:ln>
+                <a:solidFill>
+                  <a:schemeClr val="tx1"/>
+                </a:solidFill>
+                <a:effectLst/>
+              </a:rPr>
+              <a:t>Keras</a:t>
+            </a:r>
+            <a:r>
+              <a:rPr kumimoji="0" lang="en-US" altLang="en-US" sz="2000" b="1" i="0" u="none" strike="noStrike" cap="none" normalizeH="0" baseline="0" dirty="0">
+                <a:ln>
+                  <a:noFill/>
+                </a:ln>
+                <a:solidFill>
+                  <a:schemeClr val="tx1"/>
+                </a:solidFill>
+                <a:effectLst/>
+              </a:rPr>
+              <a:t> – </a:t>
+            </a:r>
+            <a:r>
+              <a:rPr kumimoji="0" lang="en-US" altLang="en-US" sz="2000" i="0" u="none" strike="noStrike" cap="none" normalizeH="0" baseline="0" dirty="0">
+                <a:ln>
+                  <a:noFill/>
+                </a:ln>
+                <a:solidFill>
+                  <a:schemeClr val="tx1"/>
+                </a:solidFill>
+                <a:effectLst/>
+              </a:rPr>
+              <a:t>For building deep learning models</a:t>
+            </a:r>
+          </a:p>
+          <a:p>
+            <a:pPr marR="0" lvl="0" algn="l" defTabSz="914400" rtl="0" eaLnBrk="0" fontAlgn="base" latinLnBrk="0" hangingPunct="0">
+              <a:spcBef>
+                <a:spcPct val="0"/>
+              </a:spcBef>
+              <a:spcAft>
+                <a:spcPct val="0"/>
+              </a:spcAft>
+              <a:buClrTx/>
+              <a:buSzTx/>
+              <a:tabLst/>
+            </a:pPr>
+            <a:r>
+              <a:rPr kumimoji="0" lang="en-US" altLang="en-US" sz="2000" b="1" i="0" u="none" strike="noStrike" cap="none" normalizeH="0" baseline="0" dirty="0">
+                <a:ln>
+                  <a:noFill/>
+                </a:ln>
+                <a:solidFill>
+                  <a:schemeClr val="tx1"/>
+                </a:solidFill>
+                <a:effectLst/>
+              </a:rPr>
+              <a:t>scikit-learn – </a:t>
+            </a:r>
+            <a:r>
+              <a:rPr kumimoji="0" lang="en-US" altLang="en-US" sz="2000" i="0" u="none" strike="noStrike" cap="none" normalizeH="0" baseline="0" dirty="0">
+                <a:ln>
+                  <a:noFill/>
+                </a:ln>
+                <a:solidFill>
+                  <a:schemeClr val="tx1"/>
+                </a:solidFill>
+                <a:effectLst/>
+              </a:rPr>
+              <a:t>For data preprocessing and model evaluation</a:t>
+            </a:r>
+          </a:p>
+          <a:p>
+            <a:pPr marR="0" lvl="0" algn="l" defTabSz="914400" rtl="0" eaLnBrk="0" fontAlgn="base" latinLnBrk="0" hangingPunct="0">
+              <a:spcBef>
+                <a:spcPct val="0"/>
+              </a:spcBef>
+              <a:spcAft>
+                <a:spcPct val="0"/>
+              </a:spcAft>
+              <a:buClrTx/>
+              <a:buSzTx/>
+              <a:tabLst/>
+            </a:pPr>
+            <a:r>
+              <a:rPr kumimoji="0" lang="en-US" altLang="en-US" sz="2000" b="1" i="0" u="none" strike="noStrike" cap="none" normalizeH="0" baseline="0" dirty="0">
+                <a:ln>
+                  <a:noFill/>
+                </a:ln>
+                <a:solidFill>
+                  <a:schemeClr val="tx1"/>
+                </a:solidFill>
+                <a:effectLst/>
+              </a:rPr>
+              <a:t>pandas – </a:t>
+            </a:r>
+            <a:r>
+              <a:rPr kumimoji="0" lang="en-US" altLang="en-US" sz="2000" i="0" u="none" strike="noStrike" cap="none" normalizeH="0" baseline="0" dirty="0">
+                <a:ln>
+                  <a:noFill/>
+                </a:ln>
+                <a:solidFill>
+                  <a:schemeClr val="tx1"/>
+                </a:solidFill>
+                <a:effectLst/>
+              </a:rPr>
+              <a:t>For data manipulation</a:t>
+            </a:r>
+          </a:p>
+          <a:p>
+            <a:pPr marR="0" lvl="0" algn="l" defTabSz="914400" rtl="0" eaLnBrk="0" fontAlgn="base" latinLnBrk="0" hangingPunct="0">
+              <a:spcBef>
+                <a:spcPct val="0"/>
+              </a:spcBef>
+              <a:spcAft>
+                <a:spcPct val="0"/>
+              </a:spcAft>
+              <a:buClrTx/>
+              <a:buSzTx/>
+              <a:tabLst/>
+            </a:pPr>
+            <a:r>
+              <a:rPr kumimoji="0" lang="en-US" altLang="en-US" sz="2000" b="1" i="0" u="none" strike="noStrike" cap="none" normalizeH="0" baseline="0" dirty="0">
+                <a:ln>
+                  <a:noFill/>
+                </a:ln>
+                <a:solidFill>
+                  <a:schemeClr val="tx1"/>
+                </a:solidFill>
+                <a:effectLst/>
+              </a:rPr>
+              <a:t>Flask – Fo</a:t>
+            </a:r>
+            <a:r>
+              <a:rPr kumimoji="0" lang="en-US" altLang="en-US" sz="2000" i="0" u="none" strike="noStrike" cap="none" normalizeH="0" baseline="0" dirty="0">
+                <a:ln>
+                  <a:noFill/>
+                </a:ln>
+                <a:solidFill>
+                  <a:schemeClr val="tx1"/>
+                </a:solidFill>
+                <a:effectLst/>
+              </a:rPr>
+              <a:t>r deploying the trained model</a:t>
+            </a:r>
+          </a:p>
+          <a:p>
+            <a:pPr marR="0" lvl="0" algn="l" defTabSz="914400" rtl="0" eaLnBrk="0" fontAlgn="base" latinLnBrk="0" hangingPunct="0">
+              <a:spcBef>
+                <a:spcPct val="0"/>
+              </a:spcBef>
+              <a:spcAft>
+                <a:spcPct val="0"/>
+              </a:spcAft>
+              <a:buClrTx/>
+              <a:buSzTx/>
+              <a:tabLst/>
+            </a:pPr>
+            <a:r>
+              <a:rPr kumimoji="0" lang="en-US" altLang="en-US" sz="2000" b="1" i="0" u="none" strike="noStrike" cap="none" normalizeH="0" baseline="0" dirty="0">
+                <a:ln>
+                  <a:noFill/>
+                </a:ln>
+                <a:solidFill>
+                  <a:schemeClr val="tx1"/>
+                </a:solidFill>
+                <a:effectLst/>
+              </a:rPr>
+              <a:t>matplotlib &amp; seaborn – </a:t>
+            </a:r>
+            <a:r>
+              <a:rPr kumimoji="0" lang="en-US" altLang="en-US" sz="2000" i="0" u="none" strike="noStrike" cap="none" normalizeH="0" baseline="0" dirty="0">
+                <a:ln>
+                  <a:noFill/>
+                </a:ln>
+                <a:solidFill>
+                  <a:schemeClr val="tx1"/>
+                </a:solidFill>
+                <a:effectLst/>
+              </a:rPr>
+              <a:t>For data visualization and model evaluation</a:t>
+            </a:r>
+          </a:p>
+          <a:p>
+            <a:pPr marR="0" lvl="0" algn="l" defTabSz="914400" rtl="0" eaLnBrk="0" fontAlgn="base" latinLnBrk="0" hangingPunct="0">
+              <a:spcBef>
+                <a:spcPct val="0"/>
+              </a:spcBef>
+              <a:spcAft>
+                <a:spcPct val="0"/>
+              </a:spcAft>
+              <a:buClrTx/>
+              <a:buSzTx/>
+              <a:tabLst/>
+            </a:pPr>
+            <a:r>
+              <a:rPr kumimoji="0" lang="en-US" altLang="en-US" sz="2000" b="1" i="0" u="none" strike="noStrike" cap="none" normalizeH="0" baseline="0" dirty="0">
+                <a:ln>
+                  <a:noFill/>
+                </a:ln>
+                <a:solidFill>
+                  <a:schemeClr val="tx1"/>
+                </a:solidFill>
+                <a:effectLst/>
+              </a:rPr>
+              <a:t>Git LFS – </a:t>
+            </a:r>
+            <a:r>
+              <a:rPr kumimoji="0" lang="en-US" altLang="en-US" sz="2000" i="0" u="none" strike="noStrike" cap="none" normalizeH="0" baseline="0" dirty="0">
+                <a:ln>
+                  <a:noFill/>
+                </a:ln>
+                <a:solidFill>
+                  <a:schemeClr val="tx1"/>
+                </a:solidFill>
+                <a:effectLst/>
+              </a:rPr>
+              <a:t>For managing large files like the trained model</a:t>
+            </a:r>
+          </a:p>
+          <a:p>
+            <a:pPr marL="0" marR="0" lvl="0" indent="0" algn="l" defTabSz="914400" rtl="0" eaLnBrk="0" fontAlgn="base" latinLnBrk="0" hangingPunct="0">
+              <a:spcBef>
+                <a:spcPct val="0"/>
+              </a:spcBef>
+              <a:spcAft>
+                <a:spcPct val="0"/>
+              </a:spcAft>
+              <a:buClrTx/>
+              <a:buSzTx/>
+              <a:buNone/>
+              <a:tabLst/>
+            </a:pPr>
+            <a:endParaRPr kumimoji="0" lang="en-US" altLang="en-US" sz="2000" b="1" i="0" u="none" strike="noStrike" cap="none" normalizeH="0" baseline="0" dirty="0">
+              <a:ln>
+                <a:noFill/>
+              </a:ln>
+              <a:solidFill>
+                <a:schemeClr val="tx1"/>
+              </a:solidFill>
+              <a:effectLst/>
+            </a:endParaRPr>
+          </a:p>
+          <a:p>
+            <a:pPr marL="0" marR="0" lvl="0" indent="0" algn="l" defTabSz="914400" rtl="0" eaLnBrk="0" fontAlgn="base" latinLnBrk="0" hangingPunct="0">
+              <a:spcBef>
+                <a:spcPct val="0"/>
+              </a:spcBef>
+              <a:spcAft>
+                <a:spcPct val="0"/>
+              </a:spcAft>
+              <a:buClrTx/>
+              <a:buSzTx/>
+              <a:buNone/>
+              <a:tabLst/>
+            </a:pPr>
+            <a:r>
+              <a:rPr kumimoji="0" lang="en-US" altLang="en-US" sz="2000" b="1" i="0" u="none" strike="noStrike" cap="none" normalizeH="0" baseline="0" dirty="0">
+                <a:ln>
+                  <a:noFill/>
+                </a:ln>
+                <a:solidFill>
+                  <a:schemeClr val="tx1"/>
+                </a:solidFill>
+                <a:effectLst/>
+              </a:rPr>
+              <a:t>VERSIONS:</a:t>
+            </a:r>
+          </a:p>
+          <a:p>
+            <a:pPr marR="0" lvl="0" algn="l" defTabSz="914400" rtl="0" eaLnBrk="0" fontAlgn="base" latinLnBrk="0" hangingPunct="0">
+              <a:spcBef>
+                <a:spcPct val="0"/>
+              </a:spcBef>
+              <a:spcAft>
+                <a:spcPct val="0"/>
+              </a:spcAft>
+              <a:buClrTx/>
+              <a:buSzTx/>
+              <a:buFont typeface="Wingdings" panose="05000000000000000000" pitchFamily="2" charset="2"/>
+              <a:buChar char="Ø"/>
+              <a:tabLst/>
+            </a:pPr>
+            <a:r>
+              <a:rPr lang="en-US" altLang="en-US" sz="2000" dirty="0">
+                <a:solidFill>
+                  <a:schemeClr val="tx1"/>
+                </a:solidFill>
+              </a:rPr>
+              <a:t>Python== 3.12.2</a:t>
+            </a:r>
+          </a:p>
+          <a:p>
+            <a:pPr marR="0" lvl="0" algn="l" defTabSz="914400" rtl="0" eaLnBrk="0" fontAlgn="base" latinLnBrk="0" hangingPunct="0">
+              <a:spcBef>
+                <a:spcPct val="0"/>
+              </a:spcBef>
+              <a:spcAft>
+                <a:spcPct val="0"/>
+              </a:spcAft>
+              <a:buClrTx/>
+              <a:buSzTx/>
+              <a:buFont typeface="Wingdings" panose="05000000000000000000" pitchFamily="2" charset="2"/>
+              <a:buChar char="Ø"/>
+              <a:tabLst/>
+            </a:pPr>
+            <a:r>
+              <a:rPr kumimoji="0" lang="en-US" altLang="en-US" sz="2000" b="0" i="0" u="none" strike="noStrike" cap="none" normalizeH="0" baseline="0" dirty="0">
+                <a:ln>
+                  <a:noFill/>
+                </a:ln>
+                <a:solidFill>
+                  <a:schemeClr val="tx1"/>
+                </a:solidFill>
+                <a:effectLst/>
+              </a:rPr>
+              <a:t>Flask== 3.0.2</a:t>
+            </a:r>
+            <a:endParaRPr lang="en-US" altLang="en-US" sz="2000" dirty="0">
+              <a:solidFill>
+                <a:schemeClr val="tx1"/>
+              </a:solidFill>
+            </a:endParaRPr>
+          </a:p>
+          <a:p>
+            <a:pPr marR="0" lvl="0" algn="l" defTabSz="914400" rtl="0" eaLnBrk="0" fontAlgn="base" latinLnBrk="0" hangingPunct="0">
+              <a:spcBef>
+                <a:spcPct val="0"/>
+              </a:spcBef>
+              <a:spcAft>
+                <a:spcPct val="0"/>
+              </a:spcAft>
+              <a:buClrTx/>
+              <a:buSzTx/>
+              <a:buFont typeface="Wingdings" panose="05000000000000000000" pitchFamily="2" charset="2"/>
+              <a:buChar char="Ø"/>
+              <a:tabLst/>
+            </a:pPr>
+            <a:r>
+              <a:rPr lang="en-US" altLang="en-US" sz="2000" dirty="0" err="1">
+                <a:solidFill>
+                  <a:schemeClr val="tx1"/>
+                </a:solidFill>
+              </a:rPr>
+              <a:t>Tensorflow</a:t>
+            </a:r>
+            <a:r>
+              <a:rPr lang="en-US" altLang="en-US" sz="2000" dirty="0">
+                <a:solidFill>
+                  <a:schemeClr val="tx1"/>
+                </a:solidFill>
+              </a:rPr>
+              <a:t>== 2.18.0</a:t>
+            </a:r>
+          </a:p>
+          <a:p>
+            <a:pPr marR="0" lvl="0" algn="l" defTabSz="914400" rtl="0" eaLnBrk="0" fontAlgn="base" latinLnBrk="0" hangingPunct="0">
+              <a:spcBef>
+                <a:spcPct val="0"/>
+              </a:spcBef>
+              <a:spcAft>
+                <a:spcPct val="0"/>
+              </a:spcAft>
+              <a:buClrTx/>
+              <a:buSzTx/>
+              <a:buFont typeface="Wingdings" panose="05000000000000000000" pitchFamily="2" charset="2"/>
+              <a:buChar char="Ø"/>
+              <a:tabLst/>
+            </a:pPr>
+            <a:r>
+              <a:rPr kumimoji="0" lang="en-US" altLang="en-US" sz="2000" b="0" i="0" u="none" strike="noStrike" cap="none" normalizeH="0" baseline="0" dirty="0" err="1">
+                <a:ln>
+                  <a:noFill/>
+                </a:ln>
+                <a:solidFill>
+                  <a:schemeClr val="tx1"/>
+                </a:solidFill>
+                <a:effectLst/>
+              </a:rPr>
+              <a:t>Keras</a:t>
+            </a:r>
+            <a:r>
+              <a:rPr kumimoji="0" lang="en-US" altLang="en-US" sz="2000" b="0" i="0" u="none" strike="noStrike" cap="none" normalizeH="0" baseline="0" dirty="0">
+                <a:ln>
+                  <a:noFill/>
+                </a:ln>
+                <a:solidFill>
+                  <a:schemeClr val="tx1"/>
+                </a:solidFill>
+                <a:effectLst/>
+              </a:rPr>
+              <a:t>== 3.6.0</a:t>
+            </a:r>
+            <a:endParaRPr lang="en-US" altLang="en-US" sz="2000" dirty="0">
+              <a:solidFill>
+                <a:schemeClr val="tx1"/>
+              </a:solidFill>
+            </a:endParaRPr>
+          </a:p>
+          <a:p>
+            <a:pPr marR="0" lvl="0" algn="l" defTabSz="914400" rtl="0" eaLnBrk="0" fontAlgn="base" latinLnBrk="0" hangingPunct="0">
+              <a:spcBef>
+                <a:spcPct val="0"/>
+              </a:spcBef>
+              <a:spcAft>
+                <a:spcPct val="0"/>
+              </a:spcAft>
+              <a:buClrTx/>
+              <a:buSzTx/>
+              <a:buFont typeface="Wingdings" panose="05000000000000000000" pitchFamily="2" charset="2"/>
+              <a:buChar char="Ø"/>
+              <a:tabLst/>
+            </a:pPr>
+            <a:r>
+              <a:rPr lang="en-US" altLang="en-US" sz="2000" dirty="0">
+                <a:solidFill>
+                  <a:schemeClr val="tx1"/>
+                </a:solidFill>
+              </a:rPr>
+              <a:t>Scikit-learn== 1.5.2</a:t>
+            </a:r>
+          </a:p>
+          <a:p>
+            <a:pPr marR="0" lvl="0" algn="l" defTabSz="914400" rtl="0" eaLnBrk="0" fontAlgn="base" latinLnBrk="0" hangingPunct="0">
+              <a:spcBef>
+                <a:spcPct val="0"/>
+              </a:spcBef>
+              <a:spcAft>
+                <a:spcPct val="0"/>
+              </a:spcAft>
+              <a:buClrTx/>
+              <a:buSzTx/>
+              <a:buFont typeface="Wingdings" panose="05000000000000000000" pitchFamily="2" charset="2"/>
+              <a:buChar char="Ø"/>
+              <a:tabLst/>
+            </a:pPr>
+            <a:r>
+              <a:rPr kumimoji="0" lang="en-US" altLang="en-US" sz="2000" b="0" i="0" u="none" strike="noStrike" cap="none" normalizeH="0" baseline="0" dirty="0">
+                <a:ln>
+                  <a:noFill/>
+                </a:ln>
+                <a:solidFill>
+                  <a:schemeClr val="tx1"/>
+                </a:solidFill>
+                <a:effectLst/>
+              </a:rPr>
+              <a:t>Pandas== 2.2.3</a:t>
+            </a:r>
           </a:p>
         </p:txBody>
       </p:sp>
     </p:spTree>
     <p:extLst>
       <p:ext uri="{BB962C8B-B14F-4D97-AF65-F5344CB8AC3E}">
-        <p14:creationId xmlns:p14="http://schemas.microsoft.com/office/powerpoint/2010/main" val="1307201364"/>
+        <p14:creationId xmlns:p14="http://schemas.microsoft.com/office/powerpoint/2010/main" val="2881905274"/>
       </p:ext>
     </p:extLst>
   </p:cSld>
@@ -20328,7 +20221,7 @@
 </p:sld>
 </file>
 
-<file path=ppt/slides/slide22.xml><?xml version="1.0" encoding="utf-8"?>
+<file path=ppt/slides/slide19.xml><?xml version="1.0" encoding="utf-8"?>
 <p:sld xmlns:a="http://schemas.openxmlformats.org/drawingml/2006/main" xmlns:r="http://schemas.openxmlformats.org/officeDocument/2006/relationships" xmlns:p="http://schemas.openxmlformats.org/presentationml/2006/main">
   <p:cSld>
     <p:spTree>
@@ -20410,8 +20303,13 @@
             </a:pPr>
             <a:r>
               <a:rPr lang="en-IN" b="1" dirty="0"/>
-              <a:t>Project's achievements until Milestone 4:</a:t>
+              <a:t>Project's </a:t>
             </a:r>
+            <a:r>
+              <a:rPr lang="en-IN" b="1"/>
+              <a:t>achievements :</a:t>
+            </a:r>
+            <a:endParaRPr lang="en-IN" b="1" dirty="0"/>
           </a:p>
           <a:p>
             <a:pPr>
@@ -20498,7 +20396,7 @@
             <a:fld id="{48F63A3B-78C7-47BE-AE5E-E10140E04643}" type="slidenum">
               <a:rPr lang="en-US" smtClean="0"/>
               <a:pPr/>
-              <a:t>22</a:t>
+              <a:t>19</a:t>
             </a:fld>
             <a:endParaRPr lang="en-US" dirty="0"/>
           </a:p>
@@ -20547,7 +20445,143 @@
 </p:sld>
 </file>
 
-<file path=ppt/slides/slide23.xml><?xml version="1.0" encoding="utf-8"?>
+<file path=ppt/slides/slide2.xml><?xml version="1.0" encoding="utf-8"?>
+<p:sld xmlns:a="http://schemas.openxmlformats.org/drawingml/2006/main" xmlns:r="http://schemas.openxmlformats.org/officeDocument/2006/relationships" xmlns:p="http://schemas.openxmlformats.org/presentationml/2006/main">
+  <p:cSld>
+    <p:spTree>
+      <p:nvGrpSpPr>
+        <p:cNvPr id="1" name=""/>
+        <p:cNvGrpSpPr/>
+        <p:nvPr/>
+      </p:nvGrpSpPr>
+      <p:grpSpPr>
+        <a:xfrm>
+          <a:off x="0" y="0"/>
+          <a:ext cx="0" cy="0"/>
+          <a:chOff x="0" y="0"/>
+          <a:chExt cx="0" cy="0"/>
+        </a:xfrm>
+      </p:grpSpPr>
+      <p:sp>
+        <p:nvSpPr>
+          <p:cNvPr id="2" name="Title 1">
+            <a:extLst>
+              <a:ext uri="{FF2B5EF4-FFF2-40B4-BE49-F238E27FC236}">
+                <a16:creationId xmlns:a16="http://schemas.microsoft.com/office/drawing/2014/main" id="{B0F85449-729E-998C-261F-8CB4226F5BF4}"/>
+              </a:ext>
+            </a:extLst>
+          </p:cNvPr>
+          <p:cNvSpPr>
+            <a:spLocks noGrp="1"/>
+          </p:cNvSpPr>
+          <p:nvPr>
+            <p:ph type="title"/>
+          </p:nvPr>
+        </p:nvSpPr>
+        <p:spPr/>
+        <p:txBody>
+          <a:bodyPr/>
+          <a:lstStyle/>
+          <a:p>
+            <a:r>
+              <a:rPr lang="en-US" dirty="0"/>
+              <a:t>INTRODUCTION</a:t>
+            </a:r>
+            <a:endParaRPr lang="en-IN" dirty="0"/>
+          </a:p>
+        </p:txBody>
+      </p:sp>
+      <p:sp>
+        <p:nvSpPr>
+          <p:cNvPr id="3" name="Content Placeholder 2">
+            <a:extLst>
+              <a:ext uri="{FF2B5EF4-FFF2-40B4-BE49-F238E27FC236}">
+                <a16:creationId xmlns:a16="http://schemas.microsoft.com/office/drawing/2014/main" id="{D22949E7-C248-3EAF-EA83-11307653A874}"/>
+              </a:ext>
+            </a:extLst>
+          </p:cNvPr>
+          <p:cNvSpPr>
+            <a:spLocks noGrp="1"/>
+          </p:cNvSpPr>
+          <p:nvPr>
+            <p:ph sz="half" idx="2"/>
+          </p:nvPr>
+        </p:nvSpPr>
+        <p:spPr/>
+        <p:txBody>
+          <a:bodyPr/>
+          <a:lstStyle/>
+          <a:p>
+            <a:r>
+              <a:rPr lang="en-US" sz="1800" dirty="0">
+                <a:latin typeface="Times New Roman" panose="02020603050405020304" pitchFamily="18" charset="0"/>
+                <a:cs typeface="Times New Roman" panose="02020603050405020304" pitchFamily="18" charset="0"/>
+              </a:rPr>
+              <a:t>Cyberbullying refers to the act of using digital communication tools, such as social media, text messages, or emails, to harass, threaten, or intimidate individuals. It often involves sending hurtful or offensive messages, spreading rumors, sharing private information, or posting derogatory comments or images online. Cyberbullying can have severe emotional and psychological effects on the victims.</a:t>
+            </a:r>
+          </a:p>
+          <a:p>
+            <a:r>
+              <a:rPr lang="en-US" dirty="0">
+                <a:latin typeface="Times New Roman" panose="02020603050405020304" pitchFamily="18" charset="0"/>
+                <a:cs typeface="Times New Roman" panose="02020603050405020304" pitchFamily="18" charset="0"/>
+              </a:rPr>
+              <a:t>In our project we’ll identify whether the comment or tweet is cyberbullying or non cyberbullying.</a:t>
+            </a:r>
+            <a:endParaRPr lang="en-US" sz="1800" dirty="0">
+              <a:latin typeface="Times New Roman" panose="02020603050405020304" pitchFamily="18" charset="0"/>
+              <a:cs typeface="Times New Roman" panose="02020603050405020304" pitchFamily="18" charset="0"/>
+            </a:endParaRPr>
+          </a:p>
+          <a:p>
+            <a:endParaRPr lang="en-IN" dirty="0"/>
+          </a:p>
+        </p:txBody>
+      </p:sp>
+      <p:sp>
+        <p:nvSpPr>
+          <p:cNvPr id="4" name="Slide Number Placeholder 3">
+            <a:extLst>
+              <a:ext uri="{FF2B5EF4-FFF2-40B4-BE49-F238E27FC236}">
+                <a16:creationId xmlns:a16="http://schemas.microsoft.com/office/drawing/2014/main" id="{3751741F-26A7-3186-CF8C-C28B6CD92124}"/>
+              </a:ext>
+            </a:extLst>
+          </p:cNvPr>
+          <p:cNvSpPr>
+            <a:spLocks noGrp="1"/>
+          </p:cNvSpPr>
+          <p:nvPr>
+            <p:ph type="sldNum" sz="quarter" idx="10"/>
+          </p:nvPr>
+        </p:nvSpPr>
+        <p:spPr/>
+        <p:txBody>
+          <a:bodyPr/>
+          <a:lstStyle/>
+          <a:p>
+            <a:fld id="{48F63A3B-78C7-47BE-AE5E-E10140E04643}" type="slidenum">
+              <a:rPr lang="en-US" smtClean="0"/>
+              <a:pPr/>
+              <a:t>2</a:t>
+            </a:fld>
+            <a:endParaRPr lang="en-US" dirty="0"/>
+          </a:p>
+        </p:txBody>
+      </p:sp>
+    </p:spTree>
+    <p:extLst>
+      <p:ext uri="{BB962C8B-B14F-4D97-AF65-F5344CB8AC3E}">
+        <p14:creationId xmlns:p14="http://schemas.microsoft.com/office/powerpoint/2010/main" val="2620021352"/>
+      </p:ext>
+    </p:extLst>
+  </p:cSld>
+  <p:clrMapOvr>
+    <a:masterClrMapping/>
+  </p:clrMapOvr>
+</p:sld>
+</file>
+
+<file path=ppt/slides/slide20.xml><?xml version="1.0" encoding="utf-8"?>
 <p:sld xmlns:a="http://schemas.openxmlformats.org/drawingml/2006/main" xmlns:r="http://schemas.openxmlformats.org/officeDocument/2006/relationships" xmlns:p="http://schemas.openxmlformats.org/presentationml/2006/main">
   <p:cSld>
     <p:spTree>
@@ -21172,295 +21206,6 @@
           <p:cNvPr id="2" name="Title 1">
             <a:extLst>
               <a:ext uri="{FF2B5EF4-FFF2-40B4-BE49-F238E27FC236}">
-                <a16:creationId xmlns:a16="http://schemas.microsoft.com/office/drawing/2014/main" id="{D6672D30-E63A-C210-D271-5DD9D4902E57}"/>
-              </a:ext>
-            </a:extLst>
-          </p:cNvPr>
-          <p:cNvSpPr>
-            <a:spLocks noGrp="1"/>
-          </p:cNvSpPr>
-          <p:nvPr>
-            <p:ph type="title"/>
-          </p:nvPr>
-        </p:nvSpPr>
-        <p:spPr>
-          <a:xfrm>
-            <a:off x="0" y="457200"/>
-            <a:ext cx="11426027" cy="762000"/>
-          </a:xfrm>
-        </p:spPr>
-        <p:txBody>
-          <a:bodyPr/>
-          <a:lstStyle/>
-          <a:p>
-            <a:r>
-              <a:rPr lang="en-US" dirty="0"/>
-              <a:t>MILESTONE</a:t>
-            </a:r>
-            <a:endParaRPr lang="en-IN" dirty="0"/>
-          </a:p>
-        </p:txBody>
-      </p:sp>
-      <p:sp>
-        <p:nvSpPr>
-          <p:cNvPr id="3" name="Content Placeholder 2">
-            <a:extLst>
-              <a:ext uri="{FF2B5EF4-FFF2-40B4-BE49-F238E27FC236}">
-                <a16:creationId xmlns:a16="http://schemas.microsoft.com/office/drawing/2014/main" id="{FC45A841-2BCF-82BD-2E2D-8628259D348C}"/>
-              </a:ext>
-            </a:extLst>
-          </p:cNvPr>
-          <p:cNvSpPr>
-            <a:spLocks noGrp="1"/>
-          </p:cNvSpPr>
-          <p:nvPr>
-            <p:ph sz="quarter" idx="4"/>
-          </p:nvPr>
-        </p:nvSpPr>
-        <p:spPr>
-          <a:xfrm>
-            <a:off x="5969345" y="1219200"/>
-            <a:ext cx="5743684" cy="5638799"/>
-          </a:xfrm>
-        </p:spPr>
-        <p:txBody>
-          <a:bodyPr>
-            <a:normAutofit/>
-          </a:bodyPr>
-          <a:lstStyle/>
-          <a:p>
-            <a:pPr marL="0" indent="0">
-              <a:buNone/>
-            </a:pPr>
-            <a:r>
-              <a:rPr lang="en-US" sz="4000" b="1" dirty="0"/>
-              <a:t>MILESTONE 3</a:t>
-            </a:r>
-          </a:p>
-          <a:p>
-            <a:pPr>
-              <a:buFont typeface="Wingdings" panose="05000000000000000000" pitchFamily="2" charset="2"/>
-              <a:buChar char="ü"/>
-            </a:pPr>
-            <a:r>
-              <a:rPr lang="en-US" sz="3000" dirty="0"/>
-              <a:t>Training and evaluation of various models(RNN,LSTM) - Choose the best performing model.</a:t>
-            </a:r>
-          </a:p>
-          <a:p>
-            <a:pPr marL="0" indent="0">
-              <a:buNone/>
-            </a:pPr>
-            <a:r>
-              <a:rPr lang="en-IN" sz="4000" b="1" dirty="0"/>
-              <a:t>MILESTONE 4</a:t>
-            </a:r>
-          </a:p>
-          <a:p>
-            <a:pPr>
-              <a:buFont typeface="Wingdings" panose="05000000000000000000" pitchFamily="2" charset="2"/>
-              <a:buChar char="ü"/>
-            </a:pPr>
-            <a:r>
-              <a:rPr lang="en-US" sz="3000" dirty="0"/>
-              <a:t>Development of user interface (GUI) using Flask - Textbox for comments and output indicating cyberbullying or not.</a:t>
-            </a:r>
-            <a:endParaRPr lang="en-IN" sz="3000" b="1" dirty="0"/>
-          </a:p>
-        </p:txBody>
-      </p:sp>
-      <p:sp>
-        <p:nvSpPr>
-          <p:cNvPr id="4" name="Slide Number Placeholder 3">
-            <a:extLst>
-              <a:ext uri="{FF2B5EF4-FFF2-40B4-BE49-F238E27FC236}">
-                <a16:creationId xmlns:a16="http://schemas.microsoft.com/office/drawing/2014/main" id="{0AB96F0A-B16E-B4A5-0BC7-732B5DDDE53D}"/>
-              </a:ext>
-            </a:extLst>
-          </p:cNvPr>
-          <p:cNvSpPr>
-            <a:spLocks noGrp="1"/>
-          </p:cNvSpPr>
-          <p:nvPr>
-            <p:ph type="sldNum" sz="quarter" idx="10"/>
-          </p:nvPr>
-        </p:nvSpPr>
-        <p:spPr>
-          <a:xfrm>
-            <a:off x="10882483" y="457199"/>
-            <a:ext cx="543543" cy="471489"/>
-          </a:xfrm>
-        </p:spPr>
-        <p:txBody>
-          <a:bodyPr/>
-          <a:lstStyle/>
-          <a:p>
-            <a:fld id="{48F63A3B-78C7-47BE-AE5E-E10140E04643}" type="slidenum">
-              <a:rPr lang="en-US" smtClean="0"/>
-              <a:pPr/>
-              <a:t>5</a:t>
-            </a:fld>
-            <a:endParaRPr lang="en-US" dirty="0"/>
-          </a:p>
-        </p:txBody>
-      </p:sp>
-      <p:sp>
-        <p:nvSpPr>
-          <p:cNvPr id="5" name="Rectangle 4">
-            <a:extLst>
-              <a:ext uri="{FF2B5EF4-FFF2-40B4-BE49-F238E27FC236}">
-                <a16:creationId xmlns:a16="http://schemas.microsoft.com/office/drawing/2014/main" id="{0FA9556A-0D10-5298-7D46-F52A5FBCDDD7}"/>
-              </a:ext>
-            </a:extLst>
-          </p:cNvPr>
-          <p:cNvSpPr/>
-          <p:nvPr/>
-        </p:nvSpPr>
-        <p:spPr>
-          <a:xfrm>
-            <a:off x="936171" y="1643744"/>
-            <a:ext cx="4169229" cy="4561122"/>
-          </a:xfrm>
-          <a:prstGeom prst="rect">
-            <a:avLst/>
-          </a:prstGeom>
-          <a:solidFill>
-            <a:schemeClr val="accent3">
-              <a:lumMod val="60000"/>
-              <a:lumOff val="40000"/>
-            </a:schemeClr>
-          </a:solidFill>
-        </p:spPr>
-        <p:style>
-          <a:lnRef idx="2">
-            <a:schemeClr val="accent1">
-              <a:shade val="15000"/>
-            </a:schemeClr>
-          </a:lnRef>
-          <a:fillRef idx="1">
-            <a:schemeClr val="accent1"/>
-          </a:fillRef>
-          <a:effectRef idx="0">
-            <a:schemeClr val="accent1"/>
-          </a:effectRef>
-          <a:fontRef idx="minor">
-            <a:schemeClr val="lt1"/>
-          </a:fontRef>
-        </p:style>
-        <p:txBody>
-          <a:bodyPr wrap="square" rtlCol="0" anchor="ctr"/>
-          <a:lstStyle/>
-          <a:p>
-            <a:pPr algn="ctr"/>
-            <a:endParaRPr lang="en-IN"/>
-          </a:p>
-        </p:txBody>
-      </p:sp>
-      <p:sp>
-        <p:nvSpPr>
-          <p:cNvPr id="8" name="TextBox 7">
-            <a:extLst>
-              <a:ext uri="{FF2B5EF4-FFF2-40B4-BE49-F238E27FC236}">
-                <a16:creationId xmlns:a16="http://schemas.microsoft.com/office/drawing/2014/main" id="{8187567C-E90A-B546-F876-9C964738F031}"/>
-              </a:ext>
-            </a:extLst>
-          </p:cNvPr>
-          <p:cNvSpPr txBox="1"/>
-          <p:nvPr/>
-        </p:nvSpPr>
-        <p:spPr>
-          <a:xfrm>
-            <a:off x="936171" y="1643745"/>
-            <a:ext cx="4169229" cy="4647426"/>
-          </a:xfrm>
-          <a:prstGeom prst="rect">
-            <a:avLst/>
-          </a:prstGeom>
-          <a:noFill/>
-        </p:spPr>
-        <p:txBody>
-          <a:bodyPr wrap="square" rtlCol="0">
-            <a:spAutoFit/>
-          </a:bodyPr>
-          <a:lstStyle/>
-          <a:p>
-            <a:r>
-              <a:rPr lang="en-US" sz="4000" b="1" dirty="0"/>
-              <a:t>MILESTONE 1</a:t>
-            </a:r>
-            <a:endParaRPr lang="en-US" b="1" dirty="0"/>
-          </a:p>
-          <a:p>
-            <a:pPr marL="457200" indent="-457200">
-              <a:buFont typeface="Wingdings" panose="05000000000000000000" pitchFamily="2" charset="2"/>
-              <a:buChar char="ü"/>
-            </a:pPr>
-            <a:r>
-              <a:rPr lang="en-US" sz="3000" dirty="0"/>
-              <a:t>Web scraping and data labeling</a:t>
-            </a:r>
-          </a:p>
-          <a:p>
-            <a:endParaRPr lang="en-US" dirty="0"/>
-          </a:p>
-          <a:p>
-            <a:endParaRPr lang="en-US" dirty="0"/>
-          </a:p>
-          <a:p>
-            <a:r>
-              <a:rPr lang="en-US" sz="4000" b="1" dirty="0"/>
-              <a:t>MILESTONE 2</a:t>
-            </a:r>
-            <a:endParaRPr lang="en-US" b="1" dirty="0"/>
-          </a:p>
-          <a:p>
-            <a:pPr marL="457200" indent="-457200">
-              <a:buFont typeface="Wingdings" panose="05000000000000000000" pitchFamily="2" charset="2"/>
-              <a:buChar char="ü"/>
-            </a:pPr>
-            <a:r>
-              <a:rPr lang="en-US" sz="3000" dirty="0"/>
-              <a:t>Exploring baseline models- Logistic Regression, Random Forests</a:t>
-            </a:r>
-            <a:endParaRPr lang="en-IN" sz="3000" dirty="0"/>
-          </a:p>
-        </p:txBody>
-      </p:sp>
-    </p:spTree>
-    <p:extLst>
-      <p:ext uri="{BB962C8B-B14F-4D97-AF65-F5344CB8AC3E}">
-        <p14:creationId xmlns:p14="http://schemas.microsoft.com/office/powerpoint/2010/main" val="3112609790"/>
-      </p:ext>
-    </p:extLst>
-  </p:cSld>
-  <p:clrMapOvr>
-    <a:masterClrMapping/>
-  </p:clrMapOvr>
-</p:sld>
-</file>
-
-<file path=ppt/slides/slide6.xml><?xml version="1.0" encoding="utf-8"?>
-<p:sld xmlns:a="http://schemas.openxmlformats.org/drawingml/2006/main" xmlns:r="http://schemas.openxmlformats.org/officeDocument/2006/relationships" xmlns:p="http://schemas.openxmlformats.org/presentationml/2006/main">
-  <p:cSld>
-    <p:spTree>
-      <p:nvGrpSpPr>
-        <p:cNvPr id="1" name=""/>
-        <p:cNvGrpSpPr/>
-        <p:nvPr/>
-      </p:nvGrpSpPr>
-      <p:grpSpPr>
-        <a:xfrm>
-          <a:off x="0" y="0"/>
-          <a:ext cx="0" cy="0"/>
-          <a:chOff x="0" y="0"/>
-          <a:chExt cx="0" cy="0"/>
-        </a:xfrm>
-      </p:grpSpPr>
-      <p:sp>
-        <p:nvSpPr>
-          <p:cNvPr id="2" name="Title 1">
-            <a:extLst>
-              <a:ext uri="{FF2B5EF4-FFF2-40B4-BE49-F238E27FC236}">
                 <a16:creationId xmlns:a16="http://schemas.microsoft.com/office/drawing/2014/main" id="{88FF0134-FC4E-2EDE-322F-AA1D47E12359}"/>
               </a:ext>
             </a:extLst>
@@ -21474,8 +21219,8 @@
         </p:nvSpPr>
         <p:spPr>
           <a:xfrm>
-            <a:off x="914400" y="457200"/>
-            <a:ext cx="10511627" cy="587829"/>
+            <a:off x="5791200" y="457200"/>
+            <a:ext cx="5634827" cy="674914"/>
           </a:xfrm>
         </p:spPr>
         <p:txBody>
@@ -21511,42 +21256,12 @@
             <a:fld id="{48F63A3B-78C7-47BE-AE5E-E10140E04643}" type="slidenum">
               <a:rPr lang="en-US" smtClean="0"/>
               <a:pPr/>
-              <a:t>6</a:t>
+              <a:t>5</a:t>
             </a:fld>
             <a:endParaRPr lang="en-US" dirty="0"/>
           </a:p>
         </p:txBody>
       </p:sp>
-      <p:pic>
-        <p:nvPicPr>
-          <p:cNvPr id="3" name="Picture 2">
-            <a:extLst>
-              <a:ext uri="{FF2B5EF4-FFF2-40B4-BE49-F238E27FC236}">
-                <a16:creationId xmlns:a16="http://schemas.microsoft.com/office/drawing/2014/main" id="{72BF48F0-C16F-3928-6D9D-F9ACF3B311EB}"/>
-              </a:ext>
-            </a:extLst>
-          </p:cNvPr>
-          <p:cNvPicPr>
-            <a:picLocks noChangeAspect="1"/>
-          </p:cNvPicPr>
-          <p:nvPr/>
-        </p:nvPicPr>
-        <p:blipFill>
-          <a:blip r:embed="rId2"/>
-          <a:stretch>
-            <a:fillRect/>
-          </a:stretch>
-        </p:blipFill>
-        <p:spPr>
-          <a:xfrm>
-            <a:off x="4245430" y="0"/>
-            <a:ext cx="7946570" cy="6858000"/>
-          </a:xfrm>
-          <a:prstGeom prst="rect">
-            <a:avLst/>
-          </a:prstGeom>
-        </p:spPr>
-      </p:pic>
       <p:sp>
         <p:nvSpPr>
           <p:cNvPr id="7" name="Content Placeholder 6">
@@ -21581,12 +21296,195 @@
             </a:pPr>
             <a:r>
               <a:rPr lang="en-US" sz="3600" b="1" dirty="0"/>
-              <a:t>FLOWCHART</a:t>
+              <a:t>FLOWCHART </a:t>
             </a:r>
             <a:endParaRPr lang="en-IN" sz="3600" b="1" dirty="0"/>
           </a:p>
         </p:txBody>
       </p:sp>
+      <mc:AlternateContent xmlns:mc="http://schemas.openxmlformats.org/markup-compatibility/2006" xmlns:p14="http://schemas.microsoft.com/office/powerpoint/2010/main">
+        <mc:Choice Requires="p14">
+          <p:contentPart p14:bwMode="auto" r:id="rId2">
+            <p14:nvContentPartPr>
+              <p14:cNvPr id="11" name="Ink 10">
+                <a:extLst>
+                  <a:ext uri="{FF2B5EF4-FFF2-40B4-BE49-F238E27FC236}">
+                    <a16:creationId xmlns:a16="http://schemas.microsoft.com/office/drawing/2014/main" id="{BC416A6B-E245-E6EE-F447-DF4799B0B2ED}"/>
+                  </a:ext>
+                </a:extLst>
+              </p14:cNvPr>
+              <p14:cNvContentPartPr/>
+              <p14:nvPr/>
+            </p14:nvContentPartPr>
+            <p14:xfrm>
+              <a:off x="11012936" y="5157271"/>
+              <a:ext cx="652680" cy="785880"/>
+            </p14:xfrm>
+          </p:contentPart>
+        </mc:Choice>
+        <mc:Fallback xmlns="">
+          <p:pic>
+            <p:nvPicPr>
+              <p:cNvPr id="11" name="Ink 10">
+                <a:extLst>
+                  <a:ext uri="{FF2B5EF4-FFF2-40B4-BE49-F238E27FC236}">
+                    <a16:creationId xmlns:a16="http://schemas.microsoft.com/office/drawing/2014/main" id="{BC416A6B-E245-E6EE-F447-DF4799B0B2ED}"/>
+                  </a:ext>
+                </a:extLst>
+              </p:cNvPr>
+              <p:cNvPicPr/>
+              <p:nvPr/>
+            </p:nvPicPr>
+            <p:blipFill>
+              <a:blip r:embed="rId3"/>
+              <a:stretch>
+                <a:fillRect/>
+              </a:stretch>
+            </p:blipFill>
+            <p:spPr>
+              <a:xfrm>
+                <a:off x="10958936" y="5049631"/>
+                <a:ext cx="760320" cy="1001520"/>
+              </a:xfrm>
+              <a:prstGeom prst="rect">
+                <a:avLst/>
+              </a:prstGeom>
+            </p:spPr>
+          </p:pic>
+        </mc:Fallback>
+      </mc:AlternateContent>
+      <mc:AlternateContent xmlns:mc="http://schemas.openxmlformats.org/markup-compatibility/2006" xmlns:p14="http://schemas.microsoft.com/office/powerpoint/2010/main">
+        <mc:Choice Requires="p14">
+          <p:contentPart p14:bwMode="auto" r:id="rId4">
+            <p14:nvContentPartPr>
+              <p14:cNvPr id="12" name="Ink 11">
+                <a:extLst>
+                  <a:ext uri="{FF2B5EF4-FFF2-40B4-BE49-F238E27FC236}">
+                    <a16:creationId xmlns:a16="http://schemas.microsoft.com/office/drawing/2014/main" id="{2B900F77-148A-A88D-BF95-C088CEC9D458}"/>
+                  </a:ext>
+                </a:extLst>
+              </p14:cNvPr>
+              <p14:cNvContentPartPr/>
+              <p14:nvPr/>
+            </p14:nvContentPartPr>
+            <p14:xfrm>
+              <a:off x="11066404" y="5635397"/>
+              <a:ext cx="838800" cy="144000"/>
+            </p14:xfrm>
+          </p:contentPart>
+        </mc:Choice>
+        <mc:Fallback xmlns="">
+          <p:pic>
+            <p:nvPicPr>
+              <p:cNvPr id="12" name="Ink 11">
+                <a:extLst>
+                  <a:ext uri="{FF2B5EF4-FFF2-40B4-BE49-F238E27FC236}">
+                    <a16:creationId xmlns:a16="http://schemas.microsoft.com/office/drawing/2014/main" id="{2B900F77-148A-A88D-BF95-C088CEC9D458}"/>
+                  </a:ext>
+                </a:extLst>
+              </p:cNvPr>
+              <p:cNvPicPr/>
+              <p:nvPr/>
+            </p:nvPicPr>
+            <p:blipFill>
+              <a:blip r:embed="rId5"/>
+              <a:stretch>
+                <a:fillRect/>
+              </a:stretch>
+            </p:blipFill>
+            <p:spPr>
+              <a:xfrm>
+                <a:off x="11012764" y="5527397"/>
+                <a:ext cx="946440" cy="359640"/>
+              </a:xfrm>
+              <a:prstGeom prst="rect">
+                <a:avLst/>
+              </a:prstGeom>
+            </p:spPr>
+          </p:pic>
+        </mc:Fallback>
+      </mc:AlternateContent>
+      <mc:AlternateContent xmlns:mc="http://schemas.openxmlformats.org/markup-compatibility/2006" xmlns:p14="http://schemas.microsoft.com/office/powerpoint/2010/main">
+        <mc:Choice Requires="p14">
+          <p:contentPart p14:bwMode="auto" r:id="rId6">
+            <p14:nvContentPartPr>
+              <p14:cNvPr id="13" name="Ink 12">
+                <a:extLst>
+                  <a:ext uri="{FF2B5EF4-FFF2-40B4-BE49-F238E27FC236}">
+                    <a16:creationId xmlns:a16="http://schemas.microsoft.com/office/drawing/2014/main" id="{656EFCED-D628-A33F-2966-D058F35DAC06}"/>
+                  </a:ext>
+                </a:extLst>
+              </p14:cNvPr>
+              <p14:cNvContentPartPr/>
+              <p14:nvPr/>
+            </p14:nvContentPartPr>
+            <p14:xfrm>
+              <a:off x="9330343" y="5953920"/>
+              <a:ext cx="935280" cy="360"/>
+            </p14:xfrm>
+          </p:contentPart>
+        </mc:Choice>
+        <mc:Fallback xmlns="">
+          <p:pic>
+            <p:nvPicPr>
+              <p:cNvPr id="13" name="Ink 12">
+                <a:extLst>
+                  <a:ext uri="{FF2B5EF4-FFF2-40B4-BE49-F238E27FC236}">
+                    <a16:creationId xmlns:a16="http://schemas.microsoft.com/office/drawing/2014/main" id="{656EFCED-D628-A33F-2966-D058F35DAC06}"/>
+                  </a:ext>
+                </a:extLst>
+              </p:cNvPr>
+              <p:cNvPicPr/>
+              <p:nvPr/>
+            </p:nvPicPr>
+            <p:blipFill>
+              <a:blip r:embed="rId7"/>
+              <a:stretch>
+                <a:fillRect/>
+              </a:stretch>
+            </p:blipFill>
+            <p:spPr>
+              <a:xfrm>
+                <a:off x="9276343" y="5846280"/>
+                <a:ext cx="1042920" cy="216000"/>
+              </a:xfrm>
+              <a:prstGeom prst="rect">
+                <a:avLst/>
+              </a:prstGeom>
+            </p:spPr>
+          </p:pic>
+        </mc:Fallback>
+      </mc:AlternateContent>
+      <p:pic>
+        <p:nvPicPr>
+          <p:cNvPr id="5" name="Picture 4">
+            <a:extLst>
+              <a:ext uri="{FF2B5EF4-FFF2-40B4-BE49-F238E27FC236}">
+                <a16:creationId xmlns:a16="http://schemas.microsoft.com/office/drawing/2014/main" id="{C01D1D0E-4B9C-D4A8-1F3D-BDCB538AE87C}"/>
+              </a:ext>
+            </a:extLst>
+          </p:cNvPr>
+          <p:cNvPicPr>
+            <a:picLocks noChangeAspect="1"/>
+          </p:cNvPicPr>
+          <p:nvPr/>
+        </p:nvPicPr>
+        <p:blipFill>
+          <a:blip r:embed="rId8"/>
+          <a:stretch>
+            <a:fillRect/>
+          </a:stretch>
+        </p:blipFill>
+        <p:spPr>
+          <a:xfrm>
+            <a:off x="4409954" y="0"/>
+            <a:ext cx="7782046" cy="6858000"/>
+          </a:xfrm>
+          <a:prstGeom prst="rect">
+            <a:avLst/>
+          </a:prstGeom>
+        </p:spPr>
+      </p:pic>
     </p:spTree>
     <p:extLst>
       <p:ext uri="{BB962C8B-B14F-4D97-AF65-F5344CB8AC3E}">
@@ -21600,7 +21498,7 @@
 </p:sld>
 </file>
 
-<file path=ppt/slides/slide7.xml><?xml version="1.0" encoding="utf-8"?>
+<file path=ppt/slides/slide6.xml><?xml version="1.0" encoding="utf-8"?>
 <p:sld xmlns:a="http://schemas.openxmlformats.org/drawingml/2006/main" xmlns:r="http://schemas.openxmlformats.org/officeDocument/2006/relationships" xmlns:p="http://schemas.openxmlformats.org/presentationml/2006/main">
   <p:cSld>
     <p:spTree>
@@ -21704,7 +21602,7 @@
             <a:fld id="{48F63A3B-78C7-47BE-AE5E-E10140E04643}" type="slidenum">
               <a:rPr lang="en-US" smtClean="0"/>
               <a:pPr/>
-              <a:t>7</a:t>
+              <a:t>6</a:t>
             </a:fld>
             <a:endParaRPr lang="en-US" dirty="0"/>
           </a:p>
@@ -21723,7 +21621,7 @@
 </p:sld>
 </file>
 
-<file path=ppt/slides/slide8.xml><?xml version="1.0" encoding="utf-8"?>
+<file path=ppt/slides/slide7.xml><?xml version="1.0" encoding="utf-8"?>
 <p:sld xmlns:a="http://schemas.openxmlformats.org/drawingml/2006/main" xmlns:r="http://schemas.openxmlformats.org/officeDocument/2006/relationships" xmlns:p="http://schemas.openxmlformats.org/presentationml/2006/main">
   <p:cSld>
     <p:spTree>
@@ -21938,7 +21836,7 @@
             <a:fld id="{48F63A3B-78C7-47BE-AE5E-E10140E04643}" type="slidenum">
               <a:rPr lang="en-US" smtClean="0"/>
               <a:pPr/>
-              <a:t>8</a:t>
+              <a:t>7</a:t>
             </a:fld>
             <a:endParaRPr lang="en-US" dirty="0"/>
           </a:p>
@@ -21957,7 +21855,7 @@
 </p:sld>
 </file>
 
-<file path=ppt/slides/slide9.xml><?xml version="1.0" encoding="utf-8"?>
+<file path=ppt/slides/slide8.xml><?xml version="1.0" encoding="utf-8"?>
 <p:sld xmlns:a="http://schemas.openxmlformats.org/drawingml/2006/main" xmlns:r="http://schemas.openxmlformats.org/officeDocument/2006/relationships" xmlns:p="http://schemas.openxmlformats.org/presentationml/2006/main">
   <p:cSld>
     <p:spTree>
@@ -22170,7 +22068,7 @@
             <a:fld id="{48F63A3B-78C7-47BE-AE5E-E10140E04643}" type="slidenum">
               <a:rPr lang="en-US" smtClean="0"/>
               <a:pPr/>
-              <a:t>9</a:t>
+              <a:t>8</a:t>
             </a:fld>
             <a:endParaRPr lang="en-US" dirty="0"/>
           </a:p>
@@ -22180,6 +22078,183 @@
     <p:extLst>
       <p:ext uri="{BB962C8B-B14F-4D97-AF65-F5344CB8AC3E}">
         <p14:creationId xmlns:p14="http://schemas.microsoft.com/office/powerpoint/2010/main" val="3810148109"/>
+      </p:ext>
+    </p:extLst>
+  </p:cSld>
+  <p:clrMapOvr>
+    <a:masterClrMapping/>
+  </p:clrMapOvr>
+</p:sld>
+</file>
+
+<file path=ppt/slides/slide9.xml><?xml version="1.0" encoding="utf-8"?>
+<p:sld xmlns:a="http://schemas.openxmlformats.org/drawingml/2006/main" xmlns:r="http://schemas.openxmlformats.org/officeDocument/2006/relationships" xmlns:p="http://schemas.openxmlformats.org/presentationml/2006/main">
+  <p:cSld>
+    <p:spTree>
+      <p:nvGrpSpPr>
+        <p:cNvPr id="1" name=""/>
+        <p:cNvGrpSpPr/>
+        <p:nvPr/>
+      </p:nvGrpSpPr>
+      <p:grpSpPr>
+        <a:xfrm>
+          <a:off x="0" y="0"/>
+          <a:ext cx="0" cy="0"/>
+          <a:chOff x="0" y="0"/>
+          <a:chExt cx="0" cy="0"/>
+        </a:xfrm>
+      </p:grpSpPr>
+      <p:sp>
+        <p:nvSpPr>
+          <p:cNvPr id="2" name="Title 1">
+            <a:extLst>
+              <a:ext uri="{FF2B5EF4-FFF2-40B4-BE49-F238E27FC236}">
+                <a16:creationId xmlns:a16="http://schemas.microsoft.com/office/drawing/2014/main" id="{C406DA46-0AC7-EFB8-9478-40E18BFB9DFD}"/>
+              </a:ext>
+            </a:extLst>
+          </p:cNvPr>
+          <p:cNvSpPr>
+            <a:spLocks noGrp="1"/>
+          </p:cNvSpPr>
+          <p:nvPr>
+            <p:ph type="title"/>
+          </p:nvPr>
+        </p:nvSpPr>
+        <p:spPr>
+          <a:xfrm>
+            <a:off x="914400" y="593377"/>
+            <a:ext cx="10511627" cy="760862"/>
+          </a:xfrm>
+        </p:spPr>
+        <p:txBody>
+          <a:bodyPr/>
+          <a:lstStyle/>
+          <a:p>
+            <a:r>
+              <a:rPr lang="en-US" dirty="0"/>
+              <a:t>ADVANCED MODELS USED</a:t>
+            </a:r>
+            <a:endParaRPr lang="en-IN" dirty="0"/>
+          </a:p>
+        </p:txBody>
+      </p:sp>
+      <p:sp>
+        <p:nvSpPr>
+          <p:cNvPr id="3" name="Content Placeholder 2">
+            <a:extLst>
+              <a:ext uri="{FF2B5EF4-FFF2-40B4-BE49-F238E27FC236}">
+                <a16:creationId xmlns:a16="http://schemas.microsoft.com/office/drawing/2014/main" id="{39F6C98B-03F0-6E15-340F-DB87A6EFB106}"/>
+              </a:ext>
+            </a:extLst>
+          </p:cNvPr>
+          <p:cNvSpPr>
+            <a:spLocks noGrp="1"/>
+          </p:cNvSpPr>
+          <p:nvPr>
+            <p:ph sz="quarter" idx="4"/>
+          </p:nvPr>
+        </p:nvSpPr>
+        <p:spPr>
+          <a:xfrm>
+            <a:off x="914400" y="1666755"/>
+            <a:ext cx="10511627" cy="4597870"/>
+          </a:xfrm>
+        </p:spPr>
+        <p:txBody>
+          <a:bodyPr>
+            <a:normAutofit/>
+          </a:bodyPr>
+          <a:lstStyle/>
+          <a:p>
+            <a:pPr marL="0" indent="0">
+              <a:buNone/>
+            </a:pPr>
+            <a:r>
+              <a:rPr lang="en-US" sz="2400" b="1" dirty="0"/>
+              <a:t>RNN-LSTM </a:t>
+            </a:r>
+          </a:p>
+          <a:p>
+            <a:r>
+              <a:rPr lang="en-US" dirty="0"/>
+              <a:t>RNN is a type of neural network designed to process sequential data, such as time series, text, or audio.</a:t>
+            </a:r>
+          </a:p>
+          <a:p>
+            <a:r>
+              <a:rPr lang="en-US" dirty="0"/>
+              <a:t>LSTM is a special type of RNN designed to overcome the limitations of standard RNNs.</a:t>
+            </a:r>
+          </a:p>
+          <a:p>
+            <a:pPr marL="0" indent="0">
+              <a:buNone/>
+            </a:pPr>
+            <a:r>
+              <a:rPr lang="en-US" sz="2400" b="1" dirty="0"/>
+              <a:t>WHY RNN-LSTM</a:t>
+            </a:r>
+          </a:p>
+          <a:p>
+            <a:r>
+              <a:rPr lang="en-US" dirty="0"/>
+              <a:t>They are excellent at analyzing and predicting patterns in data</a:t>
+            </a:r>
+            <a:r>
+              <a:rPr lang="en-US" b="1" dirty="0"/>
+              <a:t>.</a:t>
+            </a:r>
+          </a:p>
+          <a:p>
+            <a:r>
+              <a:rPr lang="en-US" dirty="0"/>
+              <a:t>LSTM is particularly effective in text-based tasks, as it can capture the context and relationships between words over long sentences.</a:t>
+            </a:r>
+            <a:endParaRPr lang="en-US" b="1" dirty="0"/>
+          </a:p>
+          <a:p>
+            <a:r>
+              <a:rPr lang="en-US" dirty="0"/>
+              <a:t>LSTM captures subtle details in comments or messages by analyzing context, tone, and word sequence, thereby enhancing detection accuracy.</a:t>
+            </a:r>
+            <a:endParaRPr lang="en-IN" b="1" dirty="0"/>
+          </a:p>
+        </p:txBody>
+      </p:sp>
+      <p:sp>
+        <p:nvSpPr>
+          <p:cNvPr id="4" name="Slide Number Placeholder 3">
+            <a:extLst>
+              <a:ext uri="{FF2B5EF4-FFF2-40B4-BE49-F238E27FC236}">
+                <a16:creationId xmlns:a16="http://schemas.microsoft.com/office/drawing/2014/main" id="{534489BA-01C3-260A-5880-589D1BCA026A}"/>
+              </a:ext>
+            </a:extLst>
+          </p:cNvPr>
+          <p:cNvSpPr>
+            <a:spLocks noGrp="1"/>
+          </p:cNvSpPr>
+          <p:nvPr>
+            <p:ph type="sldNum" sz="quarter" idx="10"/>
+          </p:nvPr>
+        </p:nvSpPr>
+        <p:spPr/>
+        <p:txBody>
+          <a:bodyPr/>
+          <a:lstStyle/>
+          <a:p>
+            <a:fld id="{48F63A3B-78C7-47BE-AE5E-E10140E04643}" type="slidenum">
+              <a:rPr lang="en-US" smtClean="0"/>
+              <a:pPr/>
+              <a:t>9</a:t>
+            </a:fld>
+            <a:endParaRPr lang="en-US" dirty="0"/>
+          </a:p>
+        </p:txBody>
+      </p:sp>
+    </p:spTree>
+    <p:extLst>
+      <p:ext uri="{BB962C8B-B14F-4D97-AF65-F5344CB8AC3E}">
+        <p14:creationId xmlns:p14="http://schemas.microsoft.com/office/powerpoint/2010/main" val="2529448569"/>
       </p:ext>
     </p:extLst>
   </p:cSld>
@@ -22981,6 +23056,15 @@
 </file>
 
 <file path=customXml/item1.xml><?xml version="1.0" encoding="utf-8"?>
+<?mso-contentType ?>
+<FormTemplates xmlns="http://schemas.microsoft.com/sharepoint/v3/contenttype/forms">
+  <Display>DocumentLibraryForm</Display>
+  <Edit>DocumentLibraryForm</Edit>
+  <New>DocumentLibraryForm</New>
+</FormTemplates>
+</file>
+
+<file path=customXml/item2.xml><?xml version="1.0" encoding="utf-8"?>
 <p:properties xmlns:p="http://schemas.microsoft.com/office/2006/metadata/properties" xmlns:xsi="http://www.w3.org/2001/XMLSchema-instance" xmlns:pc="http://schemas.microsoft.com/office/infopath/2007/PartnerControls">
   <documentManagement>
     <_ip_UnifiedCompliancePolicyUIAction xmlns="http://schemas.microsoft.com/sharepoint/v3" xsi:nil="true"/>
@@ -22998,15 +23082,6 @@
     <MediaServiceKeyPoints xmlns="71af3243-3dd4-4a8d-8c0d-dd76da1f02a5" xsi:nil="true"/>
   </documentManagement>
 </p:properties>
-</file>
-
-<file path=customXml/item2.xml><?xml version="1.0" encoding="utf-8"?>
-<?mso-contentType ?>
-<FormTemplates xmlns="http://schemas.microsoft.com/sharepoint/v3/contenttype/forms">
-  <Display>DocumentLibraryForm</Display>
-  <Edit>DocumentLibraryForm</Edit>
-  <New>DocumentLibraryForm</New>
-</FormTemplates>
 </file>
 
 <file path=customXml/item3.xml><?xml version="1.0" encoding="utf-8"?>
@@ -23322,6 +23397,14 @@
 </file>
 
 <file path=customXml/itemProps1.xml><?xml version="1.0" encoding="utf-8"?>
+<ds:datastoreItem xmlns:ds="http://schemas.openxmlformats.org/officeDocument/2006/customXml" ds:itemID="{16DBB56F-4362-4386-A1A1-3DF898896616}">
+  <ds:schemaRefs>
+    <ds:schemaRef ds:uri="http://schemas.microsoft.com/sharepoint/v3/contenttype/forms"/>
+  </ds:schemaRefs>
+</ds:datastoreItem>
+</file>
+
+<file path=customXml/itemProps2.xml><?xml version="1.0" encoding="utf-8"?>
 <ds:datastoreItem xmlns:ds="http://schemas.openxmlformats.org/officeDocument/2006/customXml" ds:itemID="{BA719FA4-954C-4FA8-82CB-206659C3B826}">
   <ds:schemaRefs>
     <ds:schemaRef ds:uri="http://schemas.microsoft.com/office/2006/metadata/properties"/>
@@ -23329,14 +23412,6 @@
     <ds:schemaRef ds:uri="http://schemas.microsoft.com/sharepoint/v3"/>
     <ds:schemaRef ds:uri="71af3243-3dd4-4a8d-8c0d-dd76da1f02a5"/>
     <ds:schemaRef ds:uri="230e9df3-be65-4c73-a93b-d1236ebd677e"/>
-  </ds:schemaRefs>
-</ds:datastoreItem>
-</file>
-
-<file path=customXml/itemProps2.xml><?xml version="1.0" encoding="utf-8"?>
-<ds:datastoreItem xmlns:ds="http://schemas.openxmlformats.org/officeDocument/2006/customXml" ds:itemID="{16DBB56F-4362-4386-A1A1-3DF898896616}">
-  <ds:schemaRefs>
-    <ds:schemaRef ds:uri="http://schemas.microsoft.com/sharepoint/v3/contenttype/forms"/>
   </ds:schemaRefs>
 </ds:datastoreItem>
 </file>
